--- a/Project Presentation.pptx
+++ b/Project Presentation.pptx
@@ -9,16 +9,15 @@
     <p:sldId id="258" r:id="rId3"/>
     <p:sldId id="260" r:id="rId4"/>
     <p:sldId id="259" r:id="rId5"/>
-    <p:sldId id="261" r:id="rId6"/>
-    <p:sldId id="262" r:id="rId7"/>
-    <p:sldId id="263" r:id="rId8"/>
-    <p:sldId id="264" r:id="rId9"/>
-    <p:sldId id="265" r:id="rId10"/>
-    <p:sldId id="280" r:id="rId11"/>
-    <p:sldId id="277" r:id="rId12"/>
-    <p:sldId id="278" r:id="rId13"/>
-    <p:sldId id="279" r:id="rId14"/>
-    <p:sldId id="281" r:id="rId15"/>
+    <p:sldId id="263" r:id="rId6"/>
+    <p:sldId id="264" r:id="rId7"/>
+    <p:sldId id="265" r:id="rId8"/>
+    <p:sldId id="282" r:id="rId9"/>
+    <p:sldId id="280" r:id="rId10"/>
+    <p:sldId id="277" r:id="rId11"/>
+    <p:sldId id="278" r:id="rId12"/>
+    <p:sldId id="279" r:id="rId13"/>
+    <p:sldId id="281" r:id="rId14"/>
   </p:sldIdLst>
   <p:sldSz cx="12192000" cy="6858000"/>
   <p:notesSz cx="6858000" cy="9144000"/>
@@ -128,7 +127,9 @@
 <file path=ppt/revisionInfo.xml><?xml version="1.0" encoding="utf-8"?>
 <p1510:revInfo xmlns:a="http://schemas.openxmlformats.org/drawingml/2006/main" xmlns:r="http://schemas.openxmlformats.org/officeDocument/2006/relationships" xmlns:p1510="http://schemas.microsoft.com/office/powerpoint/2015/10/main">
   <p1510:revLst>
+    <p1510:client id="{3F1A7D29-8FB9-4044-98CD-576F93255968}" v="79" dt="2022-05-23T11:05:29.772"/>
     <p1510:client id="{4F0139BD-1D41-4E75-A5FA-1A391D04DA5C}" v="49" dt="2022-05-12T17:08:43.539"/>
+    <p1510:client id="{C6AB9D9E-A613-4473-9798-CDE7D5AEDB26}" v="22" dt="2022-05-13T07:21:36.127"/>
   </p1510:revLst>
 </p1510:revInfo>
 </file>
@@ -447,6 +448,153 @@
           <pc:docMk/>
           <pc:sldMk cId="139703925" sldId="281"/>
         </pc:sldMkLst>
+      </pc:sldChg>
+    </pc:docChg>
+  </pc:docChgLst>
+  <pc:docChgLst>
+    <pc:chgData name="Srujan Wadgaonkar" userId="0944a7218ba16818" providerId="Windows Live" clId="Web-{C6AB9D9E-A613-4473-9798-CDE7D5AEDB26}"/>
+    <pc:docChg chg="modSld">
+      <pc:chgData name="Srujan Wadgaonkar" userId="0944a7218ba16818" providerId="Windows Live" clId="Web-{C6AB9D9E-A613-4473-9798-CDE7D5AEDB26}" dt="2022-05-13T07:21:36.127" v="14" actId="20577"/>
+      <pc:docMkLst>
+        <pc:docMk/>
+      </pc:docMkLst>
+      <pc:sldChg chg="modSp">
+        <pc:chgData name="Srujan Wadgaonkar" userId="0944a7218ba16818" providerId="Windows Live" clId="Web-{C6AB9D9E-A613-4473-9798-CDE7D5AEDB26}" dt="2022-05-13T07:21:36.127" v="14" actId="20577"/>
+        <pc:sldMkLst>
+          <pc:docMk/>
+          <pc:sldMk cId="1866198230" sldId="259"/>
+        </pc:sldMkLst>
+        <pc:spChg chg="mod">
+          <ac:chgData name="Srujan Wadgaonkar" userId="0944a7218ba16818" providerId="Windows Live" clId="Web-{C6AB9D9E-A613-4473-9798-CDE7D5AEDB26}" dt="2022-05-13T07:21:36.127" v="14" actId="20577"/>
+          <ac:spMkLst>
+            <pc:docMk/>
+            <pc:sldMk cId="1866198230" sldId="259"/>
+            <ac:spMk id="23" creationId="{A5EAC7A3-1216-229E-0025-4CDA88E93245}"/>
+          </ac:spMkLst>
+        </pc:spChg>
+      </pc:sldChg>
+    </pc:docChg>
+  </pc:docChgLst>
+  <pc:docChgLst>
+    <pc:chgData name="Srujan Wadgaonkar" userId="0944a7218ba16818" providerId="Windows Live" clId="Web-{3F1A7D29-8FB9-4044-98CD-576F93255968}"/>
+    <pc:docChg chg="addSld delSld modSld">
+      <pc:chgData name="Srujan Wadgaonkar" userId="0944a7218ba16818" providerId="Windows Live" clId="Web-{3F1A7D29-8FB9-4044-98CD-576F93255968}" dt="2022-05-23T11:05:29.772" v="61" actId="20577"/>
+      <pc:docMkLst>
+        <pc:docMk/>
+      </pc:docMkLst>
+      <pc:sldChg chg="modSp">
+        <pc:chgData name="Srujan Wadgaonkar" userId="0944a7218ba16818" providerId="Windows Live" clId="Web-{3F1A7D29-8FB9-4044-98CD-576F93255968}" dt="2022-05-23T11:05:29.772" v="61" actId="20577"/>
+        <pc:sldMkLst>
+          <pc:docMk/>
+          <pc:sldMk cId="1665904019" sldId="258"/>
+        </pc:sldMkLst>
+        <pc:spChg chg="mod">
+          <ac:chgData name="Srujan Wadgaonkar" userId="0944a7218ba16818" providerId="Windows Live" clId="Web-{3F1A7D29-8FB9-4044-98CD-576F93255968}" dt="2022-05-23T11:05:29.772" v="61" actId="20577"/>
+          <ac:spMkLst>
+            <pc:docMk/>
+            <pc:sldMk cId="1665904019" sldId="258"/>
+            <ac:spMk id="6" creationId="{65498334-D97E-8343-F3B0-C1D4EDE43D3F}"/>
+          </ac:spMkLst>
+        </pc:spChg>
+      </pc:sldChg>
+      <pc:sldChg chg="del">
+        <pc:chgData name="Srujan Wadgaonkar" userId="0944a7218ba16818" providerId="Windows Live" clId="Web-{3F1A7D29-8FB9-4044-98CD-576F93255968}" dt="2022-05-23T10:56:27.872" v="1"/>
+        <pc:sldMkLst>
+          <pc:docMk/>
+          <pc:sldMk cId="2564328683" sldId="261"/>
+        </pc:sldMkLst>
+      </pc:sldChg>
+      <pc:sldChg chg="del">
+        <pc:chgData name="Srujan Wadgaonkar" userId="0944a7218ba16818" providerId="Windows Live" clId="Web-{3F1A7D29-8FB9-4044-98CD-576F93255968}" dt="2022-05-23T10:56:22.294" v="0"/>
+        <pc:sldMkLst>
+          <pc:docMk/>
+          <pc:sldMk cId="700313838" sldId="262"/>
+        </pc:sldMkLst>
+      </pc:sldChg>
+      <pc:sldChg chg="addSp delSp modSp">
+        <pc:chgData name="Srujan Wadgaonkar" userId="0944a7218ba16818" providerId="Windows Live" clId="Web-{3F1A7D29-8FB9-4044-98CD-576F93255968}" dt="2022-05-23T11:02:49.316" v="34" actId="1076"/>
+        <pc:sldMkLst>
+          <pc:docMk/>
+          <pc:sldMk cId="2767882861" sldId="263"/>
+        </pc:sldMkLst>
+        <pc:spChg chg="mod">
+          <ac:chgData name="Srujan Wadgaonkar" userId="0944a7218ba16818" providerId="Windows Live" clId="Web-{3F1A7D29-8FB9-4044-98CD-576F93255968}" dt="2022-05-23T10:58:35.202" v="18" actId="20577"/>
+          <ac:spMkLst>
+            <pc:docMk/>
+            <pc:sldMk cId="2767882861" sldId="263"/>
+            <ac:spMk id="7" creationId="{5016F088-DD12-459B-AD23-6CDA854F5D62}"/>
+          </ac:spMkLst>
+        </pc:spChg>
+        <pc:picChg chg="add mod">
+          <ac:chgData name="Srujan Wadgaonkar" userId="0944a7218ba16818" providerId="Windows Live" clId="Web-{3F1A7D29-8FB9-4044-98CD-576F93255968}" dt="2022-05-23T11:02:49.316" v="34" actId="1076"/>
+          <ac:picMkLst>
+            <pc:docMk/>
+            <pc:sldMk cId="2767882861" sldId="263"/>
+            <ac:picMk id="3" creationId="{C0BF5F82-E748-F364-E37F-4B2C90D3A2F6}"/>
+          </ac:picMkLst>
+        </pc:picChg>
+        <pc:picChg chg="del">
+          <ac:chgData name="Srujan Wadgaonkar" userId="0944a7218ba16818" providerId="Windows Live" clId="Web-{3F1A7D29-8FB9-4044-98CD-576F93255968}" dt="2022-05-23T10:58:03.655" v="2"/>
+          <ac:picMkLst>
+            <pc:docMk/>
+            <pc:sldMk cId="2767882861" sldId="263"/>
+            <ac:picMk id="4" creationId="{43302A5B-A1E5-5F95-F3D3-C02E9CB96D68}"/>
+          </ac:picMkLst>
+        </pc:picChg>
+      </pc:sldChg>
+      <pc:sldChg chg="addSp delSp modSp">
+        <pc:chgData name="Srujan Wadgaonkar" userId="0944a7218ba16818" providerId="Windows Live" clId="Web-{3F1A7D29-8FB9-4044-98CD-576F93255968}" dt="2022-05-23T11:02:43.332" v="33" actId="1076"/>
+        <pc:sldMkLst>
+          <pc:docMk/>
+          <pc:sldMk cId="138876731" sldId="265"/>
+        </pc:sldMkLst>
+        <pc:picChg chg="add mod">
+          <ac:chgData name="Srujan Wadgaonkar" userId="0944a7218ba16818" providerId="Windows Live" clId="Web-{3F1A7D29-8FB9-4044-98CD-576F93255968}" dt="2022-05-23T11:02:43.332" v="33" actId="1076"/>
+          <ac:picMkLst>
+            <pc:docMk/>
+            <pc:sldMk cId="138876731" sldId="265"/>
+            <ac:picMk id="2" creationId="{55B095FC-E1A6-D7CB-0916-8F97350BBA19}"/>
+          </ac:picMkLst>
+        </pc:picChg>
+        <pc:picChg chg="del">
+          <ac:chgData name="Srujan Wadgaonkar" userId="0944a7218ba16818" providerId="Windows Live" clId="Web-{3F1A7D29-8FB9-4044-98CD-576F93255968}" dt="2022-05-23T11:01:14.393" v="25"/>
+          <ac:picMkLst>
+            <pc:docMk/>
+            <pc:sldMk cId="138876731" sldId="265"/>
+            <ac:picMk id="7" creationId="{87AA90FB-543B-3E4C-F994-A80BA2D9F59D}"/>
+          </ac:picMkLst>
+        </pc:picChg>
+      </pc:sldChg>
+      <pc:sldChg chg="addSp delSp modSp add replId">
+        <pc:chgData name="Srujan Wadgaonkar" userId="0944a7218ba16818" providerId="Windows Live" clId="Web-{3F1A7D29-8FB9-4044-98CD-576F93255968}" dt="2022-05-23T11:04:45.412" v="56" actId="1076"/>
+        <pc:sldMkLst>
+          <pc:docMk/>
+          <pc:sldMk cId="1311135616" sldId="282"/>
+        </pc:sldMkLst>
+        <pc:spChg chg="mod">
+          <ac:chgData name="Srujan Wadgaonkar" userId="0944a7218ba16818" providerId="Windows Live" clId="Web-{3F1A7D29-8FB9-4044-98CD-576F93255968}" dt="2022-05-23T11:03:46.317" v="49" actId="14100"/>
+          <ac:spMkLst>
+            <pc:docMk/>
+            <pc:sldMk cId="1311135616" sldId="282"/>
+            <ac:spMk id="4" creationId="{65A01EBC-459E-7DD9-82BD-74909716DF63}"/>
+          </ac:spMkLst>
+        </pc:spChg>
+        <pc:picChg chg="del mod">
+          <ac:chgData name="Srujan Wadgaonkar" userId="0944a7218ba16818" providerId="Windows Live" clId="Web-{3F1A7D29-8FB9-4044-98CD-576F93255968}" dt="2022-05-23T11:03:34.270" v="45"/>
+          <ac:picMkLst>
+            <pc:docMk/>
+            <pc:sldMk cId="1311135616" sldId="282"/>
+            <ac:picMk id="2" creationId="{55B095FC-E1A6-D7CB-0916-8F97350BBA19}"/>
+          </ac:picMkLst>
+        </pc:picChg>
+        <pc:picChg chg="add mod">
+          <ac:chgData name="Srujan Wadgaonkar" userId="0944a7218ba16818" providerId="Windows Live" clId="Web-{3F1A7D29-8FB9-4044-98CD-576F93255968}" dt="2022-05-23T11:04:45.412" v="56" actId="1076"/>
+          <ac:picMkLst>
+            <pc:docMk/>
+            <pc:sldMk cId="1311135616" sldId="282"/>
+            <ac:picMk id="3" creationId="{0583E62C-9F05-70B0-456A-B912079A3580}"/>
+          </ac:picMkLst>
+        </pc:picChg>
       </pc:sldChg>
     </pc:docChg>
   </pc:docChgLst>
@@ -1175,7 +1323,7 @@
           <a:p>
             <a:fld id="{73FB0E7E-2A6E-482D-B846-307B313DD790}" type="datetimeFigureOut">
               <a:rPr lang="en-US" smtClean="0"/>
-              <a:t>5/12/2022</a:t>
+              <a:t>5/23/2022</a:t>
             </a:fld>
             <a:endParaRPr lang="en-US"/>
           </a:p>
@@ -1426,7 +1574,7 @@
           <a:p>
             <a:fld id="{73FB0E7E-2A6E-482D-B846-307B313DD790}" type="datetimeFigureOut">
               <a:rPr lang="en-US" smtClean="0"/>
-              <a:t>5/12/2022</a:t>
+              <a:t>5/23/2022</a:t>
             </a:fld>
             <a:endParaRPr lang="en-US"/>
           </a:p>
@@ -1740,7 +1888,7 @@
           <a:p>
             <a:fld id="{73FB0E7E-2A6E-482D-B846-307B313DD790}" type="datetimeFigureOut">
               <a:rPr lang="en-US" smtClean="0"/>
-              <a:t>5/12/2022</a:t>
+              <a:t>5/23/2022</a:t>
             </a:fld>
             <a:endParaRPr lang="en-US"/>
           </a:p>
@@ -2081,7 +2229,7 @@
           <a:p>
             <a:fld id="{73FB0E7E-2A6E-482D-B846-307B313DD790}" type="datetimeFigureOut">
               <a:rPr lang="en-US" smtClean="0"/>
-              <a:t>5/12/2022</a:t>
+              <a:t>5/23/2022</a:t>
             </a:fld>
             <a:endParaRPr lang="en-US"/>
           </a:p>
@@ -2395,7 +2543,7 @@
           <a:p>
             <a:fld id="{73FB0E7E-2A6E-482D-B846-307B313DD790}" type="datetimeFigureOut">
               <a:rPr lang="en-US" smtClean="0"/>
-              <a:t>5/12/2022</a:t>
+              <a:t>5/23/2022</a:t>
             </a:fld>
             <a:endParaRPr lang="en-US"/>
           </a:p>
@@ -2788,7 +2936,7 @@
           <a:p>
             <a:fld id="{73FB0E7E-2A6E-482D-B846-307B313DD790}" type="datetimeFigureOut">
               <a:rPr lang="en-US" smtClean="0"/>
-              <a:t>5/12/2022</a:t>
+              <a:t>5/23/2022</a:t>
             </a:fld>
             <a:endParaRPr lang="en-US"/>
           </a:p>
@@ -2958,7 +3106,7 @@
           <a:p>
             <a:fld id="{73FB0E7E-2A6E-482D-B846-307B313DD790}" type="datetimeFigureOut">
               <a:rPr lang="en-US" smtClean="0"/>
-              <a:t>5/12/2022</a:t>
+              <a:t>5/23/2022</a:t>
             </a:fld>
             <a:endParaRPr lang="en-US"/>
           </a:p>
@@ -3138,7 +3286,7 @@
           <a:p>
             <a:fld id="{73FB0E7E-2A6E-482D-B846-307B313DD790}" type="datetimeFigureOut">
               <a:rPr lang="en-US" smtClean="0"/>
-              <a:t>5/12/2022</a:t>
+              <a:t>5/23/2022</a:t>
             </a:fld>
             <a:endParaRPr lang="en-US"/>
           </a:p>
@@ -3314,7 +3462,7 @@
           <a:p>
             <a:fld id="{73FB0E7E-2A6E-482D-B846-307B313DD790}" type="datetimeFigureOut">
               <a:rPr lang="en-US" smtClean="0"/>
-              <a:t>5/12/2022</a:t>
+              <a:t>5/23/2022</a:t>
             </a:fld>
             <a:endParaRPr lang="en-US"/>
           </a:p>
@@ -3561,7 +3709,7 @@
           <a:p>
             <a:fld id="{73FB0E7E-2A6E-482D-B846-307B313DD790}" type="datetimeFigureOut">
               <a:rPr lang="en-US" smtClean="0"/>
-              <a:t>5/12/2022</a:t>
+              <a:t>5/23/2022</a:t>
             </a:fld>
             <a:endParaRPr lang="en-US"/>
           </a:p>
@@ -3793,7 +3941,7 @@
           <a:p>
             <a:fld id="{73FB0E7E-2A6E-482D-B846-307B313DD790}" type="datetimeFigureOut">
               <a:rPr lang="en-US" smtClean="0"/>
-              <a:t>5/12/2022</a:t>
+              <a:t>5/23/2022</a:t>
             </a:fld>
             <a:endParaRPr lang="en-US"/>
           </a:p>
@@ -4167,7 +4315,7 @@
           <a:p>
             <a:fld id="{73FB0E7E-2A6E-482D-B846-307B313DD790}" type="datetimeFigureOut">
               <a:rPr lang="en-US" smtClean="0"/>
-              <a:t>5/12/2022</a:t>
+              <a:t>5/23/2022</a:t>
             </a:fld>
             <a:endParaRPr lang="en-US"/>
           </a:p>
@@ -4290,7 +4438,7 @@
           <a:p>
             <a:fld id="{73FB0E7E-2A6E-482D-B846-307B313DD790}" type="datetimeFigureOut">
               <a:rPr lang="en-US" smtClean="0"/>
-              <a:t>5/12/2022</a:t>
+              <a:t>5/23/2022</a:t>
             </a:fld>
             <a:endParaRPr lang="en-US"/>
           </a:p>
@@ -4385,7 +4533,7 @@
           <a:p>
             <a:fld id="{73FB0E7E-2A6E-482D-B846-307B313DD790}" type="datetimeFigureOut">
               <a:rPr lang="en-US" smtClean="0"/>
-              <a:t>5/12/2022</a:t>
+              <a:t>5/23/2022</a:t>
             </a:fld>
             <a:endParaRPr lang="en-US"/>
           </a:p>
@@ -4640,7 +4788,7 @@
           <a:p>
             <a:fld id="{73FB0E7E-2A6E-482D-B846-307B313DD790}" type="datetimeFigureOut">
               <a:rPr lang="en-US" smtClean="0"/>
-              <a:t>5/12/2022</a:t>
+              <a:t>5/23/2022</a:t>
             </a:fld>
             <a:endParaRPr lang="en-US"/>
           </a:p>
@@ -4903,7 +5051,7 @@
           <a:p>
             <a:fld id="{73FB0E7E-2A6E-482D-B846-307B313DD790}" type="datetimeFigureOut">
               <a:rPr lang="en-US" smtClean="0"/>
-              <a:t>5/12/2022</a:t>
+              <a:t>5/23/2022</a:t>
             </a:fld>
             <a:endParaRPr lang="en-US"/>
           </a:p>
@@ -5646,7 +5794,7 @@
           <a:p>
             <a:fld id="{73FB0E7E-2A6E-482D-B846-307B313DD790}" type="datetimeFigureOut">
               <a:rPr lang="en-US" smtClean="0"/>
-              <a:t>5/12/2022</a:t>
+              <a:t>5/23/2022</a:t>
             </a:fld>
             <a:endParaRPr lang="en-US"/>
           </a:p>
@@ -7725,7 +7873,7 @@
           <p:cNvPr id="2" name="TextBox 1">
             <a:extLst>
               <a:ext uri="{FF2B5EF4-FFF2-40B4-BE49-F238E27FC236}">
-                <a16:creationId xmlns:a16="http://schemas.microsoft.com/office/drawing/2014/main" id="{68A1FC3B-D752-5E15-15F3-AFE4DA31F95C}"/>
+                <a16:creationId xmlns:a16="http://schemas.microsoft.com/office/drawing/2014/main" id="{0A2793C0-AE80-B4A6-8D3A-B8EFA210FAC7}"/>
               </a:ext>
             </a:extLst>
           </p:cNvPr>
@@ -7734,8 +7882,8 @@
         </p:nvSpPr>
         <p:spPr>
           <a:xfrm>
-            <a:off x="346229" y="106532"/>
-            <a:ext cx="1997476" cy="369332"/>
+            <a:off x="381739" y="124287"/>
+            <a:ext cx="2281562" cy="369332"/>
           </a:xfrm>
           <a:prstGeom prst="rect">
             <a:avLst/>
@@ -7754,7 +7902,7 @@
             </a:pPr>
             <a:r>
               <a:rPr lang="en-US" u="sng" dirty="0"/>
-              <a:t>Advantages :- </a:t>
+              <a:t>Disadvantages :-</a:t>
             </a:r>
             <a:endParaRPr lang="en-IN" u="sng" dirty="0"/>
           </a:p>
@@ -7765,7 +7913,7 @@
           <p:cNvPr id="4" name="TextBox 3">
             <a:extLst>
               <a:ext uri="{FF2B5EF4-FFF2-40B4-BE49-F238E27FC236}">
-                <a16:creationId xmlns:a16="http://schemas.microsoft.com/office/drawing/2014/main" id="{91D803E7-717F-02BD-7851-6E6155D73D41}"/>
+                <a16:creationId xmlns:a16="http://schemas.microsoft.com/office/drawing/2014/main" id="{B220AC7E-B467-CC89-A98D-273A222EC28A}"/>
               </a:ext>
             </a:extLst>
           </p:cNvPr>
@@ -7774,7 +7922,7 @@
         </p:nvSpPr>
         <p:spPr>
           <a:xfrm>
-            <a:off x="776796" y="764751"/>
+            <a:off x="767919" y="847313"/>
             <a:ext cx="6098958" cy="369332"/>
           </a:xfrm>
           <a:prstGeom prst="rect">
@@ -7788,19 +7936,19 @@
           </a:bodyPr>
           <a:lstStyle/>
           <a:p>
-            <a:pPr marL="342900" indent="-342900">
+            <a:pPr marL="285750" indent="-285750">
               <a:buFont typeface="Wingdings" panose="05000000000000000000" pitchFamily="2" charset="2"/>
               <a:buChar char="§"/>
             </a:pPr>
             <a:r>
-              <a:rPr lang="en-IN" i="0" dirty="0">
+              <a:rPr lang="en-US" i="0" dirty="0">
                 <a:solidFill>
                   <a:srgbClr val="212020"/>
                 </a:solidFill>
                 <a:effectLst/>
-                <a:latin typeface="Ubuntu" panose="020B0604020202020204" pitchFamily="34" charset="0"/>
+                <a:latin typeface="Ubuntu" panose="020B0504030602030204" pitchFamily="34" charset="0"/>
               </a:rPr>
-              <a:t>Efficiency</a:t>
+              <a:t>The high cost of construction or installation</a:t>
             </a:r>
             <a:endParaRPr lang="en-IN" dirty="0"/>
           </a:p>
@@ -7808,10 +7956,10 @@
       </p:sp>
       <p:sp>
         <p:nvSpPr>
-          <p:cNvPr id="8" name="TextBox 7">
+          <p:cNvPr id="6" name="TextBox 5">
             <a:extLst>
               <a:ext uri="{FF2B5EF4-FFF2-40B4-BE49-F238E27FC236}">
-                <a16:creationId xmlns:a16="http://schemas.microsoft.com/office/drawing/2014/main" id="{6582B97B-93D8-E78A-5533-598324F47D2F}"/>
+                <a16:creationId xmlns:a16="http://schemas.microsoft.com/office/drawing/2014/main" id="{80B96E05-83F8-E965-242B-FBB08BC635CB}"/>
               </a:ext>
             </a:extLst>
           </p:cNvPr>
@@ -7820,7 +7968,7 @@
         </p:nvSpPr>
         <p:spPr>
           <a:xfrm>
-            <a:off x="776796" y="1817029"/>
+            <a:off x="767919" y="1671939"/>
             <a:ext cx="6098958" cy="369332"/>
           </a:xfrm>
           <a:prstGeom prst="rect">
@@ -7846,7 +7994,7 @@
                 <a:effectLst/>
                 <a:latin typeface="Ubuntu" panose="020B0504030602030204" pitchFamily="34" charset="0"/>
               </a:rPr>
-              <a:t>Reports </a:t>
+              <a:t>Regular maintenance</a:t>
             </a:r>
             <a:endParaRPr lang="en-IN" dirty="0"/>
           </a:p>
@@ -7854,10 +8002,10 @@
       </p:sp>
       <p:sp>
         <p:nvSpPr>
-          <p:cNvPr id="12" name="TextBox 11">
+          <p:cNvPr id="8" name="TextBox 7">
             <a:extLst>
               <a:ext uri="{FF2B5EF4-FFF2-40B4-BE49-F238E27FC236}">
-                <a16:creationId xmlns:a16="http://schemas.microsoft.com/office/drawing/2014/main" id="{236AFC66-48D6-9E33-09A1-583B55A820A3}"/>
+                <a16:creationId xmlns:a16="http://schemas.microsoft.com/office/drawing/2014/main" id="{5E4419D1-4DA5-F28A-CAEF-8DBC20521CFD}"/>
               </a:ext>
             </a:extLst>
           </p:cNvPr>
@@ -7866,7 +8014,7 @@
         </p:nvSpPr>
         <p:spPr>
           <a:xfrm>
-            <a:off x="776796" y="2859147"/>
+            <a:off x="767919" y="2577845"/>
             <a:ext cx="6098958" cy="369332"/>
           </a:xfrm>
           <a:prstGeom prst="rect">
@@ -7892,7 +8040,7 @@
                 <a:effectLst/>
                 <a:latin typeface="Ubuntu" panose="020B0504030602030204" pitchFamily="34" charset="0"/>
               </a:rPr>
-              <a:t>Security </a:t>
+              <a:t>Operation </a:t>
             </a:r>
             <a:endParaRPr lang="en-IN" dirty="0"/>
           </a:p>
@@ -7900,10 +8048,10 @@
       </p:sp>
       <p:sp>
         <p:nvSpPr>
-          <p:cNvPr id="14" name="TextBox 13">
+          <p:cNvPr id="10" name="TextBox 9">
             <a:extLst>
               <a:ext uri="{FF2B5EF4-FFF2-40B4-BE49-F238E27FC236}">
-                <a16:creationId xmlns:a16="http://schemas.microsoft.com/office/drawing/2014/main" id="{B848575A-F813-55E0-9D93-FF7861E3D27C}"/>
+                <a16:creationId xmlns:a16="http://schemas.microsoft.com/office/drawing/2014/main" id="{F597686E-C438-27E7-0C83-E54683E9E09F}"/>
               </a:ext>
             </a:extLst>
           </p:cNvPr>
@@ -7912,7 +8060,7 @@
         </p:nvSpPr>
         <p:spPr>
           <a:xfrm>
-            <a:off x="776796" y="3865880"/>
+            <a:off x="767919" y="3534551"/>
             <a:ext cx="6098958" cy="369332"/>
           </a:xfrm>
           <a:prstGeom prst="rect">
@@ -7938,7 +8086,7 @@
                 <a:effectLst/>
                 <a:latin typeface="Ubuntu" panose="020B0504030602030204" pitchFamily="34" charset="0"/>
               </a:rPr>
-              <a:t>Decrease in Cost</a:t>
+              <a:t>Breakdown</a:t>
             </a:r>
             <a:endParaRPr lang="en-IN" dirty="0"/>
           </a:p>
@@ -7947,7 +8095,7 @@
     </p:spTree>
     <p:extLst>
       <p:ext uri="{BB962C8B-B14F-4D97-AF65-F5344CB8AC3E}">
-        <p14:creationId xmlns:p14="http://schemas.microsoft.com/office/powerpoint/2010/main" val="4224338315"/>
+        <p14:creationId xmlns:p14="http://schemas.microsoft.com/office/powerpoint/2010/main" val="225674599"/>
       </p:ext>
     </p:extLst>
   </p:cSld>
@@ -7979,7 +8127,7 @@
           <p:cNvPr id="2" name="TextBox 1">
             <a:extLst>
               <a:ext uri="{FF2B5EF4-FFF2-40B4-BE49-F238E27FC236}">
-                <a16:creationId xmlns:a16="http://schemas.microsoft.com/office/drawing/2014/main" id="{0A2793C0-AE80-B4A6-8D3A-B8EFA210FAC7}"/>
+                <a16:creationId xmlns:a16="http://schemas.microsoft.com/office/drawing/2014/main" id="{2BF8B0DF-C147-9E3F-2CB9-BD7298E1158A}"/>
               </a:ext>
             </a:extLst>
           </p:cNvPr>
@@ -7988,8 +8136,8 @@
         </p:nvSpPr>
         <p:spPr>
           <a:xfrm>
-            <a:off x="381739" y="124287"/>
-            <a:ext cx="2281562" cy="369332"/>
+            <a:off x="417250" y="115410"/>
+            <a:ext cx="2290439" cy="369332"/>
           </a:xfrm>
           <a:prstGeom prst="rect">
             <a:avLst/>
@@ -8008,7 +8156,7 @@
             </a:pPr>
             <a:r>
               <a:rPr lang="en-US" u="sng" dirty="0"/>
-              <a:t>Disadvantages :-</a:t>
+              <a:t>Conclusion :-</a:t>
             </a:r>
             <a:endParaRPr lang="en-IN" u="sng" dirty="0"/>
           </a:p>
@@ -8019,7 +8167,7 @@
           <p:cNvPr id="4" name="TextBox 3">
             <a:extLst>
               <a:ext uri="{FF2B5EF4-FFF2-40B4-BE49-F238E27FC236}">
-                <a16:creationId xmlns:a16="http://schemas.microsoft.com/office/drawing/2014/main" id="{B220AC7E-B467-CC89-A98D-273A222EC28A}"/>
+                <a16:creationId xmlns:a16="http://schemas.microsoft.com/office/drawing/2014/main" id="{ECE7EB12-334C-CFAC-B699-6A01B2EFC8EB}"/>
               </a:ext>
             </a:extLst>
           </p:cNvPr>
@@ -8028,8 +8176,8 @@
         </p:nvSpPr>
         <p:spPr>
           <a:xfrm>
-            <a:off x="767919" y="847313"/>
-            <a:ext cx="6098958" cy="369332"/>
+            <a:off x="1069758" y="760753"/>
+            <a:ext cx="8917619" cy="2308324"/>
           </a:xfrm>
           <a:prstGeom prst="rect">
             <a:avLst/>
@@ -8042,157 +8190,9 @@
           </a:bodyPr>
           <a:lstStyle/>
           <a:p>
-            <a:pPr marL="285750" indent="-285750">
-              <a:buFont typeface="Wingdings" panose="05000000000000000000" pitchFamily="2" charset="2"/>
-              <a:buChar char="§"/>
-            </a:pPr>
-            <a:r>
-              <a:rPr lang="en-US" i="0" dirty="0">
-                <a:solidFill>
-                  <a:srgbClr val="212020"/>
-                </a:solidFill>
-                <a:effectLst/>
-                <a:latin typeface="Ubuntu" panose="020B0504030602030204" pitchFamily="34" charset="0"/>
-              </a:rPr>
-              <a:t>The high cost of construction or installation</a:t>
-            </a:r>
-            <a:endParaRPr lang="en-IN" dirty="0"/>
-          </a:p>
-        </p:txBody>
-      </p:sp>
-      <p:sp>
-        <p:nvSpPr>
-          <p:cNvPr id="6" name="TextBox 5">
-            <a:extLst>
-              <a:ext uri="{FF2B5EF4-FFF2-40B4-BE49-F238E27FC236}">
-                <a16:creationId xmlns:a16="http://schemas.microsoft.com/office/drawing/2014/main" id="{80B96E05-83F8-E965-242B-FBB08BC635CB}"/>
-              </a:ext>
-            </a:extLst>
-          </p:cNvPr>
-          <p:cNvSpPr txBox="1"/>
-          <p:nvPr/>
-        </p:nvSpPr>
-        <p:spPr>
-          <a:xfrm>
-            <a:off x="767919" y="1671939"/>
-            <a:ext cx="6098958" cy="369332"/>
-          </a:xfrm>
-          <a:prstGeom prst="rect">
-            <a:avLst/>
-          </a:prstGeom>
-          <a:noFill/>
-        </p:spPr>
-        <p:txBody>
-          <a:bodyPr wrap="square">
-            <a:spAutoFit/>
-          </a:bodyPr>
-          <a:lstStyle/>
-          <a:p>
-            <a:pPr marL="285750" indent="-285750">
-              <a:buFont typeface="Wingdings" panose="05000000000000000000" pitchFamily="2" charset="2"/>
-              <a:buChar char="§"/>
-            </a:pPr>
-            <a:r>
-              <a:rPr lang="en-IN" i="0" dirty="0">
-                <a:solidFill>
-                  <a:srgbClr val="212020"/>
-                </a:solidFill>
-                <a:effectLst/>
-                <a:latin typeface="Ubuntu" panose="020B0504030602030204" pitchFamily="34" charset="0"/>
-              </a:rPr>
-              <a:t>Regular maintenance</a:t>
-            </a:r>
-            <a:endParaRPr lang="en-IN" dirty="0"/>
-          </a:p>
-        </p:txBody>
-      </p:sp>
-      <p:sp>
-        <p:nvSpPr>
-          <p:cNvPr id="8" name="TextBox 7">
-            <a:extLst>
-              <a:ext uri="{FF2B5EF4-FFF2-40B4-BE49-F238E27FC236}">
-                <a16:creationId xmlns:a16="http://schemas.microsoft.com/office/drawing/2014/main" id="{5E4419D1-4DA5-F28A-CAEF-8DBC20521CFD}"/>
-              </a:ext>
-            </a:extLst>
-          </p:cNvPr>
-          <p:cNvSpPr txBox="1"/>
-          <p:nvPr/>
-        </p:nvSpPr>
-        <p:spPr>
-          <a:xfrm>
-            <a:off x="767919" y="2577845"/>
-            <a:ext cx="6098958" cy="369332"/>
-          </a:xfrm>
-          <a:prstGeom prst="rect">
-            <a:avLst/>
-          </a:prstGeom>
-          <a:noFill/>
-        </p:spPr>
-        <p:txBody>
-          <a:bodyPr wrap="square">
-            <a:spAutoFit/>
-          </a:bodyPr>
-          <a:lstStyle/>
-          <a:p>
-            <a:pPr marL="285750" indent="-285750">
-              <a:buFont typeface="Wingdings" panose="05000000000000000000" pitchFamily="2" charset="2"/>
-              <a:buChar char="§"/>
-            </a:pPr>
-            <a:r>
-              <a:rPr lang="en-IN" i="0" dirty="0">
-                <a:solidFill>
-                  <a:srgbClr val="212020"/>
-                </a:solidFill>
-                <a:effectLst/>
-                <a:latin typeface="Ubuntu" panose="020B0504030602030204" pitchFamily="34" charset="0"/>
-              </a:rPr>
-              <a:t>Operation </a:t>
-            </a:r>
-            <a:endParaRPr lang="en-IN" dirty="0"/>
-          </a:p>
-        </p:txBody>
-      </p:sp>
-      <p:sp>
-        <p:nvSpPr>
-          <p:cNvPr id="10" name="TextBox 9">
-            <a:extLst>
-              <a:ext uri="{FF2B5EF4-FFF2-40B4-BE49-F238E27FC236}">
-                <a16:creationId xmlns:a16="http://schemas.microsoft.com/office/drawing/2014/main" id="{F597686E-C438-27E7-0C83-E54683E9E09F}"/>
-              </a:ext>
-            </a:extLst>
-          </p:cNvPr>
-          <p:cNvSpPr txBox="1"/>
-          <p:nvPr/>
-        </p:nvSpPr>
-        <p:spPr>
-          <a:xfrm>
-            <a:off x="767919" y="3534551"/>
-            <a:ext cx="6098958" cy="369332"/>
-          </a:xfrm>
-          <a:prstGeom prst="rect">
-            <a:avLst/>
-          </a:prstGeom>
-          <a:noFill/>
-        </p:spPr>
-        <p:txBody>
-          <a:bodyPr wrap="square">
-            <a:spAutoFit/>
-          </a:bodyPr>
-          <a:lstStyle/>
-          <a:p>
-            <a:pPr marL="285750" indent="-285750">
-              <a:buFont typeface="Wingdings" panose="05000000000000000000" pitchFamily="2" charset="2"/>
-              <a:buChar char="§"/>
-            </a:pPr>
-            <a:r>
-              <a:rPr lang="en-IN" i="0" dirty="0">
-                <a:solidFill>
-                  <a:srgbClr val="212020"/>
-                </a:solidFill>
-                <a:effectLst/>
-                <a:latin typeface="Ubuntu" panose="020B0504030602030204" pitchFamily="34" charset="0"/>
-              </a:rPr>
-              <a:t>Breakdown</a:t>
+            <a:r>
+              <a:rPr lang="en-US" dirty="0"/>
+              <a:t>Online Voting Systems have many advantages over the traditional voting system. Some of these advantages are less cost, faster generation results, easy accessibility, accuracy, and low risk of human and mechanical errors. It is very difficult to develop online voting system which can allow security and privacy on the high level. Future development focused to design a system which can be easy to use and will provide security and privacy of votes on acceptable level by proper authentication and processing section.. It is easy to use and it is less time consuming. It is very easy to debug.</a:t>
             </a:r>
             <a:endParaRPr lang="en-IN" dirty="0"/>
           </a:p>
@@ -8201,7 +8201,7 @@
     </p:spTree>
     <p:extLst>
       <p:ext uri="{BB962C8B-B14F-4D97-AF65-F5344CB8AC3E}">
-        <p14:creationId xmlns:p14="http://schemas.microsoft.com/office/powerpoint/2010/main" val="225674599"/>
+        <p14:creationId xmlns:p14="http://schemas.microsoft.com/office/powerpoint/2010/main" val="1494420534"/>
       </p:ext>
     </p:extLst>
   </p:cSld>
@@ -8230,112 +8230,6 @@
       </p:grpSpPr>
       <p:sp>
         <p:nvSpPr>
-          <p:cNvPr id="2" name="TextBox 1">
-            <a:extLst>
-              <a:ext uri="{FF2B5EF4-FFF2-40B4-BE49-F238E27FC236}">
-                <a16:creationId xmlns:a16="http://schemas.microsoft.com/office/drawing/2014/main" id="{2BF8B0DF-C147-9E3F-2CB9-BD7298E1158A}"/>
-              </a:ext>
-            </a:extLst>
-          </p:cNvPr>
-          <p:cNvSpPr txBox="1"/>
-          <p:nvPr/>
-        </p:nvSpPr>
-        <p:spPr>
-          <a:xfrm>
-            <a:off x="417250" y="115410"/>
-            <a:ext cx="2290439" cy="369332"/>
-          </a:xfrm>
-          <a:prstGeom prst="rect">
-            <a:avLst/>
-          </a:prstGeom>
-          <a:noFill/>
-        </p:spPr>
-        <p:txBody>
-          <a:bodyPr wrap="square" rtlCol="0">
-            <a:spAutoFit/>
-          </a:bodyPr>
-          <a:lstStyle/>
-          <a:p>
-            <a:pPr marL="285750" indent="-285750">
-              <a:buFont typeface="Wingdings" panose="05000000000000000000" pitchFamily="2" charset="2"/>
-              <a:buChar char="Ø"/>
-            </a:pPr>
-            <a:r>
-              <a:rPr lang="en-US" u="sng" dirty="0"/>
-              <a:t>Conclusion :-</a:t>
-            </a:r>
-            <a:endParaRPr lang="en-IN" u="sng" dirty="0"/>
-          </a:p>
-        </p:txBody>
-      </p:sp>
-      <p:sp>
-        <p:nvSpPr>
-          <p:cNvPr id="4" name="TextBox 3">
-            <a:extLst>
-              <a:ext uri="{FF2B5EF4-FFF2-40B4-BE49-F238E27FC236}">
-                <a16:creationId xmlns:a16="http://schemas.microsoft.com/office/drawing/2014/main" id="{ECE7EB12-334C-CFAC-B699-6A01B2EFC8EB}"/>
-              </a:ext>
-            </a:extLst>
-          </p:cNvPr>
-          <p:cNvSpPr txBox="1"/>
-          <p:nvPr/>
-        </p:nvSpPr>
-        <p:spPr>
-          <a:xfrm>
-            <a:off x="1069758" y="760753"/>
-            <a:ext cx="8917619" cy="2308324"/>
-          </a:xfrm>
-          <a:prstGeom prst="rect">
-            <a:avLst/>
-          </a:prstGeom>
-          <a:noFill/>
-        </p:spPr>
-        <p:txBody>
-          <a:bodyPr wrap="square">
-            <a:spAutoFit/>
-          </a:bodyPr>
-          <a:lstStyle/>
-          <a:p>
-            <a:r>
-              <a:rPr lang="en-US" dirty="0"/>
-              <a:t>Online Voting Systems have many advantages over the traditional voting system. Some of these advantages are less cost, faster generation results, easy accessibility, accuracy, and low risk of human and mechanical errors. It is very difficult to develop online voting system which can allow security and privacy on the high level. Future development focused to design a system which can be easy to use and will provide security and privacy of votes on acceptable level by proper authentication and processing section.. It is easy to use and it is less time consuming. It is very easy to debug.</a:t>
-            </a:r>
-            <a:endParaRPr lang="en-IN" dirty="0"/>
-          </a:p>
-        </p:txBody>
-      </p:sp>
-    </p:spTree>
-    <p:extLst>
-      <p:ext uri="{BB962C8B-B14F-4D97-AF65-F5344CB8AC3E}">
-        <p14:creationId xmlns:p14="http://schemas.microsoft.com/office/powerpoint/2010/main" val="1494420534"/>
-      </p:ext>
-    </p:extLst>
-  </p:cSld>
-  <p:clrMapOvr>
-    <a:masterClrMapping/>
-  </p:clrMapOvr>
-</p:sld>
-</file>
-
-<file path=ppt/slides/slide13.xml><?xml version="1.0" encoding="utf-8"?>
-<p:sld xmlns:a="http://schemas.openxmlformats.org/drawingml/2006/main" xmlns:r="http://schemas.openxmlformats.org/officeDocument/2006/relationships" xmlns:p="http://schemas.openxmlformats.org/presentationml/2006/main">
-  <p:cSld>
-    <p:spTree>
-      <p:nvGrpSpPr>
-        <p:cNvPr id="1" name=""/>
-        <p:cNvGrpSpPr/>
-        <p:nvPr/>
-      </p:nvGrpSpPr>
-      <p:grpSpPr>
-        <a:xfrm>
-          <a:off x="0" y="0"/>
-          <a:ext cx="0" cy="0"/>
-          <a:chOff x="0" y="0"/>
-          <a:chExt cx="0" cy="0"/>
-        </a:xfrm>
-      </p:grpSpPr>
-      <p:sp>
-        <p:nvSpPr>
           <p:cNvPr id="3" name="TextBox 2">
             <a:extLst>
               <a:ext uri="{FF2B5EF4-FFF2-40B4-BE49-F238E27FC236}">
@@ -8591,7 +8485,7 @@
 </p:sld>
 </file>
 
-<file path=ppt/slides/slide14.xml><?xml version="1.0" encoding="utf-8"?>
+<file path=ppt/slides/slide13.xml><?xml version="1.0" encoding="utf-8"?>
 <p:sld xmlns:a="http://schemas.openxmlformats.org/drawingml/2006/main" xmlns:r="http://schemas.openxmlformats.org/officeDocument/2006/relationships" xmlns:p="http://schemas.openxmlformats.org/presentationml/2006/main">
   <p:cSld>
     <p:spTree>
@@ -8733,7 +8627,7 @@
         <p:spPr>
           <a:xfrm>
             <a:off x="266330" y="1226671"/>
-            <a:ext cx="12455370" cy="3141501"/>
+            <a:ext cx="12455370" cy="2146485"/>
           </a:xfrm>
           <a:prstGeom prst="rect">
             <a:avLst/>
@@ -8741,10 +8635,183 @@
           <a:noFill/>
         </p:spPr>
         <p:txBody>
-          <a:bodyPr wrap="square">
+          <a:bodyPr wrap="square" lIns="91440" tIns="45720" rIns="91440" bIns="45720" anchor="t">
             <a:spAutoFit/>
           </a:bodyPr>
           <a:lstStyle/>
+          <a:p>
+            <a:pPr marL="457200" indent="-457200" fontAlgn="base">
+              <a:lnSpc>
+                <a:spcPct val="111000"/>
+              </a:lnSpc>
+              <a:spcAft>
+                <a:spcPts val="60"/>
+              </a:spcAft>
+              <a:buClr>
+                <a:srgbClr val="000000"/>
+              </a:buClr>
+              <a:buSzPts val="1400"/>
+              <a:buFont typeface="Wingdings" panose="05000000000000000000" pitchFamily="2" charset="2"/>
+              <a:buChar char="Ø"/>
+            </a:pPr>
+            <a:r>
+              <a:rPr lang="en-IN" sz="2000" b="1" u="none" strike="noStrike" dirty="0">
+                <a:solidFill>
+                  <a:srgbClr val="000000"/>
+                </a:solidFill>
+                <a:effectLst/>
+                <a:uFill>
+                  <a:solidFill>
+                    <a:srgbClr val="000000"/>
+                  </a:solidFill>
+                </a:uFill>
+                <a:latin typeface="Times New Roman"/>
+                <a:ea typeface="Times New Roman" panose="02020603050405020304" pitchFamily="18" charset="0"/>
+                <a:cs typeface="Times New Roman"/>
+              </a:rPr>
+              <a:t>Introduction.</a:t>
+            </a:r>
+            <a:r>
+              <a:rPr lang="en-IN" sz="2000" b="1" dirty="0">
+                <a:solidFill>
+                  <a:srgbClr val="000000"/>
+                </a:solidFill>
+                <a:uFill>
+                  <a:solidFill>
+                    <a:srgbClr val="000000"/>
+                  </a:solidFill>
+                </a:uFill>
+                <a:latin typeface="Times New Roman"/>
+                <a:ea typeface="Times New Roman" panose="02020603050405020304" pitchFamily="18" charset="0"/>
+                <a:cs typeface="Times New Roman"/>
+              </a:rPr>
+              <a:t> </a:t>
+            </a:r>
+            <a:endParaRPr lang="en-IN" sz="2000" u="none" strike="noStrike" dirty="0">
+              <a:solidFill>
+                <a:srgbClr val="000000"/>
+              </a:solidFill>
+              <a:effectLst/>
+              <a:uFill>
+                <a:solidFill>
+                  <a:srgbClr val="000000"/>
+                </a:solidFill>
+              </a:uFill>
+              <a:latin typeface="Times New Roman"/>
+              <a:ea typeface="Times New Roman" panose="02020603050405020304" pitchFamily="18" charset="0"/>
+              <a:cs typeface="Times New Roman" panose="02020603050405020304" pitchFamily="18" charset="0"/>
+            </a:endParaRPr>
+          </a:p>
+          <a:p>
+            <a:pPr marL="342900" indent="-342900" fontAlgn="base">
+              <a:lnSpc>
+                <a:spcPct val="111000"/>
+              </a:lnSpc>
+              <a:spcAft>
+                <a:spcPts val="60"/>
+              </a:spcAft>
+              <a:buClr>
+                <a:srgbClr val="000000"/>
+              </a:buClr>
+              <a:buSzPts val="1400"/>
+              <a:buFont typeface="Wingdings" panose="05000000000000000000" pitchFamily="2" charset="2"/>
+              <a:buChar char="Ø"/>
+            </a:pPr>
+            <a:r>
+              <a:rPr lang="en-IN" b="1" dirty="0">
+                <a:solidFill>
+                  <a:srgbClr val="000000"/>
+                </a:solidFill>
+                <a:uFill>
+                  <a:solidFill>
+                    <a:srgbClr val="000000"/>
+                  </a:solidFill>
+                </a:uFill>
+                <a:latin typeface="Times New Roman"/>
+                <a:ea typeface="Times New Roman" panose="02020603050405020304" pitchFamily="18" charset="0"/>
+                <a:cs typeface="Times New Roman"/>
+              </a:rPr>
+              <a:t> </a:t>
+            </a:r>
+            <a:r>
+              <a:rPr lang="en-IN" b="1" u="none" strike="noStrike" dirty="0">
+                <a:solidFill>
+                  <a:srgbClr val="000000"/>
+                </a:solidFill>
+                <a:effectLst/>
+                <a:uFill>
+                  <a:solidFill>
+                    <a:srgbClr val="000000"/>
+                  </a:solidFill>
+                </a:uFill>
+                <a:latin typeface="Times New Roman"/>
+                <a:ea typeface="Times New Roman" panose="02020603050405020304" pitchFamily="18" charset="0"/>
+                <a:cs typeface="Times New Roman"/>
+              </a:rPr>
+              <a:t> Requirement Specification</a:t>
+            </a:r>
+            <a:r>
+              <a:rPr lang="en-IN" b="1" dirty="0">
+                <a:solidFill>
+                  <a:srgbClr val="000000"/>
+                </a:solidFill>
+                <a:uFill>
+                  <a:solidFill>
+                    <a:srgbClr val="000000"/>
+                  </a:solidFill>
+                </a:uFill>
+                <a:latin typeface="Times New Roman"/>
+                <a:ea typeface="Times New Roman" panose="02020603050405020304" pitchFamily="18" charset="0"/>
+                <a:cs typeface="Times New Roman"/>
+              </a:rPr>
+              <a:t>  </a:t>
+            </a:r>
+            <a:endParaRPr lang="en-IN" u="none" strike="noStrike" dirty="0">
+              <a:solidFill>
+                <a:srgbClr val="000000"/>
+              </a:solidFill>
+              <a:effectLst/>
+              <a:uFill>
+                <a:solidFill>
+                  <a:srgbClr val="000000"/>
+                </a:solidFill>
+              </a:uFill>
+              <a:latin typeface="Times New Roman"/>
+              <a:ea typeface="Times New Roman" panose="02020603050405020304" pitchFamily="18" charset="0"/>
+              <a:cs typeface="Times New Roman" panose="02020603050405020304" pitchFamily="18" charset="0"/>
+            </a:endParaRPr>
+          </a:p>
+          <a:p>
+            <a:pPr marL="457200" indent="-457200" fontAlgn="base">
+              <a:lnSpc>
+                <a:spcPct val="111000"/>
+              </a:lnSpc>
+              <a:spcAft>
+                <a:spcPts val="60"/>
+              </a:spcAft>
+              <a:buClr>
+                <a:srgbClr val="000000"/>
+              </a:buClr>
+              <a:buSzPts val="1400"/>
+              <a:buFont typeface="Wingdings" panose="05000000000000000000" pitchFamily="2" charset="2"/>
+              <a:buChar char="Ø"/>
+            </a:pPr>
+            <a:r>
+              <a:rPr lang="en-IN" sz="2000" b="1" dirty="0">
+                <a:solidFill>
+                  <a:srgbClr val="000000"/>
+                </a:solidFill>
+                <a:uFill>
+                  <a:solidFill>
+                    <a:srgbClr val="000000"/>
+                  </a:solidFill>
+                </a:uFill>
+                <a:latin typeface="Times New Roman"/>
+                <a:cs typeface="Times New Roman"/>
+              </a:rPr>
+              <a:t>Input/Output Screen. </a:t>
+            </a:r>
+          </a:p>
           <a:p>
             <a:pPr marL="457200" lvl="0" indent="-457200" fontAlgn="base">
               <a:lnSpc>
@@ -8761,6 +8828,22 @@
               <a:buChar char="Ø"/>
             </a:pPr>
             <a:r>
+              <a:rPr lang="en-IN" sz="2000" b="1" dirty="0">
+                <a:solidFill>
+                  <a:srgbClr val="000000"/>
+                </a:solidFill>
+                <a:uFill>
+                  <a:solidFill>
+                    <a:srgbClr val="000000"/>
+                  </a:solidFill>
+                </a:uFill>
+                <a:latin typeface="Times New Roman"/>
+                <a:ea typeface="Times New Roman" panose="02020603050405020304" pitchFamily="18" charset="0"/>
+                <a:cs typeface="Times New Roman"/>
+              </a:rPr>
+              <a:t>Advantages And Disadvantages</a:t>
+            </a:r>
+            <a:r>
               <a:rPr lang="en-IN" sz="2000" b="1" u="none" strike="noStrike" dirty="0">
                 <a:solidFill>
                   <a:srgbClr val="000000"/>
@@ -8771,11 +8854,27 @@
                     <a:srgbClr val="000000"/>
                   </a:solidFill>
                 </a:uFill>
-                <a:latin typeface="Times New Roman" panose="02020603050405020304" pitchFamily="18" charset="0"/>
+                <a:latin typeface="Times New Roman"/>
                 <a:ea typeface="Times New Roman" panose="02020603050405020304" pitchFamily="18" charset="0"/>
-                <a:cs typeface="Times New Roman" panose="02020603050405020304" pitchFamily="18" charset="0"/>
+                <a:cs typeface="Times New Roman"/>
               </a:rPr>
-              <a:t>Introduction. </a:t>
+              <a:t>.</a:t>
+            </a:r>
+            <a:r>
+              <a:rPr lang="en-IN" sz="2000" b="1" dirty="0">
+                <a:solidFill>
+                  <a:srgbClr val="000000"/>
+                </a:solidFill>
+                <a:uFill>
+                  <a:solidFill>
+                    <a:srgbClr val="000000"/>
+                  </a:solidFill>
+                </a:uFill>
+                <a:latin typeface="Times New Roman"/>
+                <a:ea typeface="Times New Roman" panose="02020603050405020304" pitchFamily="18" charset="0"/>
+                <a:cs typeface="Times New Roman"/>
+              </a:rPr>
+              <a:t> </a:t>
             </a:r>
             <a:endParaRPr lang="en-IN" sz="2000" u="none" strike="noStrike" dirty="0">
               <a:solidFill>
@@ -8791,176 +8890,6 @@
               <a:ea typeface="Times New Roman" panose="02020603050405020304" pitchFamily="18" charset="0"/>
               <a:cs typeface="Times New Roman" panose="02020603050405020304" pitchFamily="18" charset="0"/>
             </a:endParaRPr>
-          </a:p>
-          <a:p>
-            <a:pPr marL="342900" lvl="0" indent="-342900" fontAlgn="base">
-              <a:lnSpc>
-                <a:spcPct val="111000"/>
-              </a:lnSpc>
-              <a:spcAft>
-                <a:spcPts val="60"/>
-              </a:spcAft>
-              <a:buClr>
-                <a:srgbClr val="000000"/>
-              </a:buClr>
-              <a:buSzPts val="1400"/>
-              <a:buFont typeface="Wingdings" panose="05000000000000000000" pitchFamily="2" charset="2"/>
-              <a:buChar char="Ø"/>
-            </a:pPr>
-            <a:r>
-              <a:rPr lang="en-IN" b="1" u="none" strike="noStrike" dirty="0">
-                <a:solidFill>
-                  <a:srgbClr val="000000"/>
-                </a:solidFill>
-                <a:effectLst/>
-                <a:uFill>
-                  <a:solidFill>
-                    <a:srgbClr val="000000"/>
-                  </a:solidFill>
-                </a:uFill>
-                <a:latin typeface="Times New Roman" panose="02020603050405020304" pitchFamily="18" charset="0"/>
-                <a:ea typeface="Times New Roman" panose="02020603050405020304" pitchFamily="18" charset="0"/>
-                <a:cs typeface="Times New Roman" panose="02020603050405020304" pitchFamily="18" charset="0"/>
-              </a:rPr>
-              <a:t>  Requirement Specification  </a:t>
-            </a:r>
-            <a:endParaRPr lang="en-IN" u="none" strike="noStrike" dirty="0">
-              <a:solidFill>
-                <a:srgbClr val="000000"/>
-              </a:solidFill>
-              <a:effectLst/>
-              <a:uFill>
-                <a:solidFill>
-                  <a:srgbClr val="000000"/>
-                </a:solidFill>
-              </a:uFill>
-              <a:latin typeface="Times New Roman" panose="02020603050405020304" pitchFamily="18" charset="0"/>
-              <a:ea typeface="Times New Roman" panose="02020603050405020304" pitchFamily="18" charset="0"/>
-              <a:cs typeface="Times New Roman" panose="02020603050405020304" pitchFamily="18" charset="0"/>
-            </a:endParaRPr>
-          </a:p>
-          <a:p>
-            <a:pPr marL="457200" lvl="0" indent="-457200" fontAlgn="base">
-              <a:lnSpc>
-                <a:spcPct val="111000"/>
-              </a:lnSpc>
-              <a:spcAft>
-                <a:spcPts val="60"/>
-              </a:spcAft>
-              <a:buClr>
-                <a:srgbClr val="000000"/>
-              </a:buClr>
-              <a:buSzPts val="1400"/>
-              <a:buFont typeface="Wingdings" panose="05000000000000000000" pitchFamily="2" charset="2"/>
-              <a:buChar char="Ø"/>
-            </a:pPr>
-            <a:r>
-              <a:rPr lang="en-IN" sz="2000" b="1" u="none" strike="noStrike" dirty="0">
-                <a:solidFill>
-                  <a:srgbClr val="000000"/>
-                </a:solidFill>
-                <a:effectLst/>
-                <a:uFill>
-                  <a:solidFill>
-                    <a:srgbClr val="000000"/>
-                  </a:solidFill>
-                </a:uFill>
-                <a:latin typeface="Times New Roman" panose="02020603050405020304" pitchFamily="18" charset="0"/>
-                <a:ea typeface="Times New Roman" panose="02020603050405020304" pitchFamily="18" charset="0"/>
-                <a:cs typeface="Times New Roman" panose="02020603050405020304" pitchFamily="18" charset="0"/>
-              </a:rPr>
-              <a:t>Diagrams </a:t>
-            </a:r>
-          </a:p>
-          <a:p>
-            <a:pPr lvl="0" fontAlgn="base">
-              <a:lnSpc>
-                <a:spcPct val="111000"/>
-              </a:lnSpc>
-              <a:spcAft>
-                <a:spcPts val="60"/>
-              </a:spcAft>
-              <a:buClr>
-                <a:srgbClr val="000000"/>
-              </a:buClr>
-              <a:buSzPts val="1400"/>
-            </a:pPr>
-            <a:r>
-              <a:rPr lang="en-IN" sz="2000" dirty="0">
-                <a:solidFill>
-                  <a:srgbClr val="000000"/>
-                </a:solidFill>
-                <a:uFill>
-                  <a:solidFill>
-                    <a:srgbClr val="000000"/>
-                  </a:solidFill>
-                </a:uFill>
-                <a:latin typeface="Times New Roman" panose="02020603050405020304" pitchFamily="18" charset="0"/>
-                <a:ea typeface="Times New Roman" panose="02020603050405020304" pitchFamily="18" charset="0"/>
-                <a:cs typeface="Times New Roman" panose="02020603050405020304" pitchFamily="18" charset="0"/>
-              </a:rPr>
-              <a:t>		</a:t>
-            </a:r>
-            <a:r>
-              <a:rPr lang="en-IN" sz="1600" b="1" dirty="0">
-                <a:solidFill>
-                  <a:srgbClr val="000000"/>
-                </a:solidFill>
-                <a:uFill>
-                  <a:solidFill>
-                    <a:srgbClr val="000000"/>
-                  </a:solidFill>
-                </a:uFill>
-                <a:latin typeface="Times New Roman" panose="02020603050405020304" pitchFamily="18" charset="0"/>
-                <a:ea typeface="Times New Roman" panose="02020603050405020304" pitchFamily="18" charset="0"/>
-                <a:cs typeface="Times New Roman" panose="02020603050405020304" pitchFamily="18" charset="0"/>
-              </a:rPr>
-              <a:t>a) </a:t>
-            </a:r>
-            <a:r>
-              <a:rPr lang="en-IN" sz="1600" b="1" dirty="0">
-                <a:solidFill>
-                  <a:srgbClr val="000000"/>
-                </a:solidFill>
-                <a:uFill>
-                  <a:solidFill>
-                    <a:srgbClr val="000000"/>
-                  </a:solidFill>
-                </a:uFill>
-                <a:latin typeface="Times New Roman" panose="02020603050405020304" pitchFamily="18" charset="0"/>
-                <a:cs typeface="Times New Roman" panose="02020603050405020304" pitchFamily="18" charset="0"/>
-              </a:rPr>
-              <a:t>ER Diagram </a:t>
-            </a:r>
-          </a:p>
-          <a:p>
-            <a:pPr lvl="0" fontAlgn="base">
-              <a:lnSpc>
-                <a:spcPct val="111000"/>
-              </a:lnSpc>
-              <a:spcAft>
-                <a:spcPts val="60"/>
-              </a:spcAft>
-              <a:buClr>
-                <a:srgbClr val="000000"/>
-              </a:buClr>
-              <a:buSzPts val="1400"/>
-            </a:pPr>
-            <a:r>
-              <a:rPr lang="en-IN" sz="1600" b="1" dirty="0">
-                <a:solidFill>
-                  <a:srgbClr val="000000"/>
-                </a:solidFill>
-                <a:uFill>
-                  <a:solidFill>
-                    <a:srgbClr val="000000"/>
-                  </a:solidFill>
-                </a:uFill>
-                <a:latin typeface="Times New Roman" panose="02020603050405020304" pitchFamily="18" charset="0"/>
-                <a:cs typeface="Times New Roman" panose="02020603050405020304" pitchFamily="18" charset="0"/>
-              </a:rPr>
-              <a:t>		b) DFD</a:t>
-            </a:r>
           </a:p>
           <a:p>
             <a:pPr marL="457200" indent="-457200" fontAlgn="base">
@@ -8978,53 +8907,6 @@
               <a:buChar char="Ø"/>
             </a:pPr>
             <a:r>
-              <a:rPr lang="en-IN" sz="2000" b="1" dirty="0">
-                <a:solidFill>
-                  <a:srgbClr val="000000"/>
-                </a:solidFill>
-                <a:uFill>
-                  <a:solidFill>
-                    <a:srgbClr val="000000"/>
-                  </a:solidFill>
-                </a:uFill>
-                <a:latin typeface="Times New Roman" panose="02020603050405020304" pitchFamily="18" charset="0"/>
-                <a:cs typeface="Times New Roman" panose="02020603050405020304" pitchFamily="18" charset="0"/>
-              </a:rPr>
-              <a:t>Input/Output Screen. </a:t>
-            </a:r>
-          </a:p>
-          <a:p>
-            <a:pPr marL="457200" lvl="0" indent="-457200" fontAlgn="base">
-              <a:lnSpc>
-                <a:spcPct val="111000"/>
-              </a:lnSpc>
-              <a:spcAft>
-                <a:spcPts val="60"/>
-              </a:spcAft>
-              <a:buClr>
-                <a:srgbClr val="000000"/>
-              </a:buClr>
-              <a:buSzPts val="1400"/>
-              <a:buFont typeface="Wingdings" panose="05000000000000000000" pitchFamily="2" charset="2"/>
-              <a:buChar char="Ø"/>
-            </a:pPr>
-            <a:r>
-              <a:rPr lang="en-IN" sz="2000" b="1" dirty="0">
-                <a:solidFill>
-                  <a:srgbClr val="000000"/>
-                </a:solidFill>
-                <a:uFill>
-                  <a:solidFill>
-                    <a:srgbClr val="000000"/>
-                  </a:solidFill>
-                </a:uFill>
-                <a:latin typeface="Times New Roman" panose="02020603050405020304" pitchFamily="18" charset="0"/>
-                <a:ea typeface="Times New Roman" panose="02020603050405020304" pitchFamily="18" charset="0"/>
-                <a:cs typeface="Times New Roman" panose="02020603050405020304" pitchFamily="18" charset="0"/>
-              </a:rPr>
-              <a:t>Advantages And Disadvantages</a:t>
-            </a:r>
-            <a:r>
               <a:rPr lang="en-IN" sz="2000" b="1" u="none" strike="noStrike" dirty="0">
                 <a:solidFill>
                   <a:srgbClr val="000000"/>
@@ -9035,11 +8917,27 @@
                     <a:srgbClr val="000000"/>
                   </a:solidFill>
                 </a:uFill>
-                <a:latin typeface="Times New Roman" panose="02020603050405020304" pitchFamily="18" charset="0"/>
+                <a:latin typeface="Times New Roman"/>
                 <a:ea typeface="Times New Roman" panose="02020603050405020304" pitchFamily="18" charset="0"/>
-                <a:cs typeface="Times New Roman" panose="02020603050405020304" pitchFamily="18" charset="0"/>
+                <a:cs typeface="Times New Roman"/>
               </a:rPr>
-              <a:t>. </a:t>
+              <a:t>Conclusion.</a:t>
+            </a:r>
+            <a:r>
+              <a:rPr lang="en-IN" sz="2000" b="1" dirty="0">
+                <a:solidFill>
+                  <a:srgbClr val="000000"/>
+                </a:solidFill>
+                <a:uFill>
+                  <a:solidFill>
+                    <a:srgbClr val="000000"/>
+                  </a:solidFill>
+                </a:uFill>
+                <a:latin typeface="Times New Roman"/>
+                <a:ea typeface="Times New Roman" panose="02020603050405020304" pitchFamily="18" charset="0"/>
+                <a:cs typeface="Times New Roman"/>
+              </a:rPr>
+              <a:t> </a:t>
             </a:r>
             <a:endParaRPr lang="en-IN" sz="2000" u="none" strike="noStrike" dirty="0">
               <a:solidFill>
@@ -9057,54 +8955,7 @@
             </a:endParaRPr>
           </a:p>
           <a:p>
-            <a:pPr marL="457200" lvl="0" indent="-457200" fontAlgn="base">
-              <a:lnSpc>
-                <a:spcPct val="111000"/>
-              </a:lnSpc>
-              <a:spcAft>
-                <a:spcPts val="60"/>
-              </a:spcAft>
-              <a:buClr>
-                <a:srgbClr val="000000"/>
-              </a:buClr>
-              <a:buSzPts val="1400"/>
-              <a:buFont typeface="Wingdings" panose="05000000000000000000" pitchFamily="2" charset="2"/>
-              <a:buChar char="Ø"/>
-            </a:pPr>
-            <a:r>
-              <a:rPr lang="en-IN" sz="2000" b="1" u="none" strike="noStrike" dirty="0">
-                <a:solidFill>
-                  <a:srgbClr val="000000"/>
-                </a:solidFill>
-                <a:effectLst/>
-                <a:uFill>
-                  <a:solidFill>
-                    <a:srgbClr val="000000"/>
-                  </a:solidFill>
-                </a:uFill>
-                <a:latin typeface="Times New Roman" panose="02020603050405020304" pitchFamily="18" charset="0"/>
-                <a:ea typeface="Times New Roman" panose="02020603050405020304" pitchFamily="18" charset="0"/>
-                <a:cs typeface="Times New Roman" panose="02020603050405020304" pitchFamily="18" charset="0"/>
-              </a:rPr>
-              <a:t>Conclusion. </a:t>
-            </a:r>
-            <a:endParaRPr lang="en-IN" sz="2000" u="none" strike="noStrike" dirty="0">
-              <a:solidFill>
-                <a:srgbClr val="000000"/>
-              </a:solidFill>
-              <a:effectLst/>
-              <a:uFill>
-                <a:solidFill>
-                  <a:srgbClr val="000000"/>
-                </a:solidFill>
-              </a:uFill>
-              <a:latin typeface="Times New Roman" panose="02020603050405020304" pitchFamily="18" charset="0"/>
-              <a:ea typeface="Times New Roman" panose="02020603050405020304" pitchFamily="18" charset="0"/>
-              <a:cs typeface="Times New Roman" panose="02020603050405020304" pitchFamily="18" charset="0"/>
-            </a:endParaRPr>
-          </a:p>
-          <a:p>
-            <a:pPr marL="457200" lvl="0" indent="-457200" fontAlgn="base">
+            <a:pPr marL="457200" indent="-457200" fontAlgn="base">
               <a:lnSpc>
                 <a:spcPct val="111000"/>
               </a:lnSpc>
@@ -9119,7 +8970,23 @@
               <a:buChar char="Ø"/>
             </a:pPr>
             <a:r>
-              <a:rPr lang="en-IN" sz="2000" b="1" u="none" strike="noStrike" dirty="0" err="1">
+              <a:rPr lang="en-IN" sz="2000" b="1" dirty="0">
+                <a:solidFill>
+                  <a:srgbClr val="000000"/>
+                </a:solidFill>
+                <a:uFill>
+                  <a:solidFill>
+                    <a:srgbClr val="000000"/>
+                  </a:solidFill>
+                </a:uFill>
+                <a:latin typeface="Times New Roman"/>
+                <a:ea typeface="Times New Roman" panose="02020603050405020304" pitchFamily="18" charset="0"/>
+                <a:cs typeface="Times New Roman"/>
+              </a:rPr>
+              <a:t>Bibliography</a:t>
+            </a:r>
+            <a:r>
+              <a:rPr lang="en-IN" sz="2000" b="1" u="none" strike="noStrike" dirty="0">
                 <a:solidFill>
                   <a:srgbClr val="000000"/>
                 </a:solidFill>
@@ -9129,28 +8996,27 @@
                     <a:srgbClr val="000000"/>
                   </a:solidFill>
                 </a:uFill>
-                <a:latin typeface="Times New Roman" panose="02020603050405020304" pitchFamily="18" charset="0"/>
+                <a:latin typeface="Times New Roman"/>
                 <a:ea typeface="Times New Roman" panose="02020603050405020304" pitchFamily="18" charset="0"/>
-                <a:cs typeface="Times New Roman" panose="02020603050405020304" pitchFamily="18" charset="0"/>
+                <a:cs typeface="Times New Roman"/>
               </a:rPr>
-              <a:t>Bibilography</a:t>
-            </a:r>
-            <a:r>
-              <a:rPr lang="en-IN" sz="2000" b="1" u="none" strike="noStrike" dirty="0">
+              <a:t>.</a:t>
+            </a:r>
+            <a:r>
+              <a:rPr lang="en-IN" sz="2000" b="1" dirty="0">
                 <a:solidFill>
                   <a:srgbClr val="000000"/>
                 </a:solidFill>
-                <a:effectLst/>
                 <a:uFill>
                   <a:solidFill>
                     <a:srgbClr val="000000"/>
                   </a:solidFill>
                 </a:uFill>
-                <a:latin typeface="Times New Roman" panose="02020603050405020304" pitchFamily="18" charset="0"/>
+                <a:latin typeface="Times New Roman"/>
                 <a:ea typeface="Times New Roman" panose="02020603050405020304" pitchFamily="18" charset="0"/>
-                <a:cs typeface="Times New Roman" panose="02020603050405020304" pitchFamily="18" charset="0"/>
+                <a:cs typeface="Times New Roman"/>
               </a:rPr>
-              <a:t>. </a:t>
+              <a:t> </a:t>
             </a:r>
             <a:endParaRPr lang="en-IN" sz="2000" dirty="0"/>
           </a:p>
@@ -9641,7 +9507,7 @@
           <a:noFill/>
         </p:spPr>
         <p:txBody>
-          <a:bodyPr wrap="square">
+          <a:bodyPr wrap="square" lIns="91440" tIns="45720" rIns="91440" bIns="45720" anchor="t">
             <a:spAutoFit/>
           </a:bodyPr>
           <a:lstStyle/>
@@ -10056,31 +9922,33 @@
             </a:endParaRPr>
           </a:p>
           <a:p>
-            <a:pPr marL="0" marR="0" lvl="0" indent="0" algn="l" defTabSz="914400" rtl="0" eaLnBrk="0" fontAlgn="base" latinLnBrk="0" hangingPunct="0">
-              <a:lnSpc>
-                <a:spcPct val="100000"/>
-              </a:lnSpc>
+            <a:pPr defTabSz="914400" eaLnBrk="0" fontAlgn="base" hangingPunct="0">
               <a:spcBef>
                 <a:spcPct val="0"/>
               </a:spcBef>
               <a:spcAft>
                 <a:spcPct val="0"/>
               </a:spcAft>
-              <a:buClrTx/>
-              <a:buSzTx/>
               <a:buFontTx/>
               <a:buChar char="•"/>
-              <a:tabLst/>
             </a:pPr>
             <a:r>
               <a:rPr lang="en-US" altLang="en-US" dirty="0">
                 <a:solidFill>
                   <a:srgbClr val="000000"/>
                 </a:solidFill>
-                <a:latin typeface="Arial" panose="020B0604020202020204" pitchFamily="34" charset="0"/>
+                <a:latin typeface="Arial"/>
+                <a:cs typeface="Arial"/>
               </a:rPr>
-              <a:t>Storage: 256GB  </a:t>
-            </a:r>
+              <a:t>Storage: 200MB  </a:t>
+            </a:r>
+            <a:endParaRPr lang="en-US" altLang="en-US" dirty="0">
+              <a:solidFill>
+                <a:srgbClr val="000000"/>
+              </a:solidFill>
+              <a:latin typeface="Arial" panose="020B0604020202020204" pitchFamily="34" charset="0"/>
+              <a:cs typeface="Arial"/>
+            </a:endParaRPr>
           </a:p>
           <a:p>
             <a:pPr marL="0" marR="0" lvl="0" indent="0" algn="l" defTabSz="914400" rtl="0" eaLnBrk="0" fontAlgn="base" latinLnBrk="0" hangingPunct="0">
@@ -10144,194 +10012,6 @@
       </p:grpSpPr>
       <p:sp>
         <p:nvSpPr>
-          <p:cNvPr id="3" name="TextBox 2">
-            <a:extLst>
-              <a:ext uri="{FF2B5EF4-FFF2-40B4-BE49-F238E27FC236}">
-                <a16:creationId xmlns:a16="http://schemas.microsoft.com/office/drawing/2014/main" id="{3661381E-0368-5726-F261-855FA3356A99}"/>
-              </a:ext>
-            </a:extLst>
-          </p:cNvPr>
-          <p:cNvSpPr txBox="1"/>
-          <p:nvPr/>
-        </p:nvSpPr>
-        <p:spPr>
-          <a:xfrm>
-            <a:off x="411480" y="740013"/>
-            <a:ext cx="2523299" cy="369332"/>
-          </a:xfrm>
-          <a:prstGeom prst="rect">
-            <a:avLst/>
-          </a:prstGeom>
-          <a:noFill/>
-        </p:spPr>
-        <p:txBody>
-          <a:bodyPr wrap="square" rtlCol="0">
-            <a:spAutoFit/>
-          </a:bodyPr>
-          <a:lstStyle/>
-          <a:p>
-            <a:pPr marL="285750" indent="-285750">
-              <a:buFont typeface="Wingdings" panose="05000000000000000000" pitchFamily="2" charset="2"/>
-              <a:buChar char="Ø"/>
-            </a:pPr>
-            <a:r>
-              <a:rPr lang="en-US" u="sng" dirty="0"/>
-              <a:t>ER</a:t>
-            </a:r>
-            <a:r>
-              <a:rPr lang="en-US" dirty="0"/>
-              <a:t> </a:t>
-            </a:r>
-            <a:r>
-              <a:rPr lang="en-US" u="sng" dirty="0"/>
-              <a:t>Diagram</a:t>
-            </a:r>
-            <a:r>
-              <a:rPr lang="en-US" dirty="0"/>
-              <a:t> :-</a:t>
-            </a:r>
-            <a:endParaRPr lang="en-IN" dirty="0"/>
-          </a:p>
-        </p:txBody>
-      </p:sp>
-      <p:sp>
-        <p:nvSpPr>
-          <p:cNvPr id="6" name="TextBox 5">
-            <a:extLst>
-              <a:ext uri="{FF2B5EF4-FFF2-40B4-BE49-F238E27FC236}">
-                <a16:creationId xmlns:a16="http://schemas.microsoft.com/office/drawing/2014/main" id="{136A5E43-6FE4-AB6D-CF93-0F169DE3E32D}"/>
-              </a:ext>
-            </a:extLst>
-          </p:cNvPr>
-          <p:cNvSpPr txBox="1"/>
-          <p:nvPr/>
-        </p:nvSpPr>
-        <p:spPr>
-          <a:xfrm>
-            <a:off x="3995928" y="100584"/>
-            <a:ext cx="2557272" cy="584775"/>
-          </a:xfrm>
-          <a:prstGeom prst="rect">
-            <a:avLst/>
-          </a:prstGeom>
-          <a:noFill/>
-        </p:spPr>
-        <p:txBody>
-          <a:bodyPr wrap="square" rtlCol="0">
-            <a:spAutoFit/>
-          </a:bodyPr>
-          <a:lstStyle/>
-          <a:p>
-            <a:r>
-              <a:rPr lang="en-US" sz="3200" b="1" u="sng" dirty="0"/>
-              <a:t>Diagrams</a:t>
-            </a:r>
-            <a:endParaRPr lang="en-IN" sz="3200" b="1" u="sng" dirty="0"/>
-          </a:p>
-        </p:txBody>
-      </p:sp>
-    </p:spTree>
-    <p:extLst>
-      <p:ext uri="{BB962C8B-B14F-4D97-AF65-F5344CB8AC3E}">
-        <p14:creationId xmlns:p14="http://schemas.microsoft.com/office/powerpoint/2010/main" val="2564328683"/>
-      </p:ext>
-    </p:extLst>
-  </p:cSld>
-  <p:clrMapOvr>
-    <a:masterClrMapping/>
-  </p:clrMapOvr>
-</p:sld>
-</file>
-
-<file path=ppt/slides/slide6.xml><?xml version="1.0" encoding="utf-8"?>
-<p:sld xmlns:a="http://schemas.openxmlformats.org/drawingml/2006/main" xmlns:r="http://schemas.openxmlformats.org/officeDocument/2006/relationships" xmlns:p="http://schemas.openxmlformats.org/presentationml/2006/main">
-  <p:cSld>
-    <p:spTree>
-      <p:nvGrpSpPr>
-        <p:cNvPr id="1" name=""/>
-        <p:cNvGrpSpPr/>
-        <p:nvPr/>
-      </p:nvGrpSpPr>
-      <p:grpSpPr>
-        <a:xfrm>
-          <a:off x="0" y="0"/>
-          <a:ext cx="0" cy="0"/>
-          <a:chOff x="0" y="0"/>
-          <a:chExt cx="0" cy="0"/>
-        </a:xfrm>
-      </p:grpSpPr>
-      <p:sp>
-        <p:nvSpPr>
-          <p:cNvPr id="2" name="TextBox 1">
-            <a:extLst>
-              <a:ext uri="{FF2B5EF4-FFF2-40B4-BE49-F238E27FC236}">
-                <a16:creationId xmlns:a16="http://schemas.microsoft.com/office/drawing/2014/main" id="{3DDFE7E9-99DE-AAE3-D1D2-4F25DFD020BB}"/>
-              </a:ext>
-            </a:extLst>
-          </p:cNvPr>
-          <p:cNvSpPr txBox="1"/>
-          <p:nvPr/>
-        </p:nvSpPr>
-        <p:spPr>
-          <a:xfrm>
-            <a:off x="239696" y="177554"/>
-            <a:ext cx="1908699" cy="369332"/>
-          </a:xfrm>
-          <a:prstGeom prst="rect">
-            <a:avLst/>
-          </a:prstGeom>
-          <a:noFill/>
-        </p:spPr>
-        <p:txBody>
-          <a:bodyPr wrap="square" rtlCol="0">
-            <a:spAutoFit/>
-          </a:bodyPr>
-          <a:lstStyle/>
-          <a:p>
-            <a:pPr marL="285750" indent="-285750">
-              <a:buFont typeface="Wingdings" panose="05000000000000000000" pitchFamily="2" charset="2"/>
-              <a:buChar char="Ø"/>
-            </a:pPr>
-            <a:r>
-              <a:rPr lang="en-US" u="sng" dirty="0"/>
-              <a:t>DFD :-</a:t>
-            </a:r>
-            <a:endParaRPr lang="en-IN" u="sng" dirty="0"/>
-          </a:p>
-        </p:txBody>
-      </p:sp>
-    </p:spTree>
-    <p:extLst>
-      <p:ext uri="{BB962C8B-B14F-4D97-AF65-F5344CB8AC3E}">
-        <p14:creationId xmlns:p14="http://schemas.microsoft.com/office/powerpoint/2010/main" val="700313838"/>
-      </p:ext>
-    </p:extLst>
-  </p:cSld>
-  <p:clrMapOvr>
-    <a:masterClrMapping/>
-  </p:clrMapOvr>
-</p:sld>
-</file>
-
-<file path=ppt/slides/slide7.xml><?xml version="1.0" encoding="utf-8"?>
-<p:sld xmlns:a="http://schemas.openxmlformats.org/drawingml/2006/main" xmlns:r="http://schemas.openxmlformats.org/officeDocument/2006/relationships" xmlns:p="http://schemas.openxmlformats.org/presentationml/2006/main">
-  <p:cSld>
-    <p:spTree>
-      <p:nvGrpSpPr>
-        <p:cNvPr id="1" name=""/>
-        <p:cNvGrpSpPr/>
-        <p:nvPr/>
-      </p:nvGrpSpPr>
-      <p:grpSpPr>
-        <a:xfrm>
-          <a:off x="0" y="0"/>
-          <a:ext cx="0" cy="0"/>
-          <a:chOff x="0" y="0"/>
-          <a:chExt cx="0" cy="0"/>
-        </a:xfrm>
-      </p:grpSpPr>
-      <p:sp>
-        <p:nvSpPr>
           <p:cNvPr id="2" name="TextBox 1">
             <a:extLst>
               <a:ext uri="{FF2B5EF4-FFF2-40B4-BE49-F238E27FC236}">
@@ -10430,7 +10110,7 @@
           <a:noFill/>
         </p:spPr>
         <p:txBody>
-          <a:bodyPr wrap="none" rtlCol="0">
+          <a:bodyPr wrap="none" lIns="91440" tIns="45720" rIns="91440" bIns="45720" rtlCol="0" anchor="t">
             <a:spAutoFit/>
           </a:bodyPr>
           <a:lstStyle/>
@@ -10439,16 +10119,16 @@
               <a:rPr lang="en-US" u="sng" dirty="0"/>
               <a:t>Home page :-</a:t>
             </a:r>
-            <a:endParaRPr lang="en-IN" u="sng" dirty="0"/>
+            <a:endParaRPr lang="en-IN" u="sng"/>
           </a:p>
         </p:txBody>
       </p:sp>
       <p:pic>
         <p:nvPicPr>
-          <p:cNvPr id="4" name="Picture 3" descr="Graphical user interface&#10;&#10;Description automatically generated">
+          <p:cNvPr id="3" name="Picture 4" descr="Graphical user interface, website&#10;&#10;Description automatically generated">
             <a:extLst>
               <a:ext uri="{FF2B5EF4-FFF2-40B4-BE49-F238E27FC236}">
-                <a16:creationId xmlns:a16="http://schemas.microsoft.com/office/drawing/2014/main" id="{43302A5B-A1E5-5F95-F3D3-C02E9CB96D68}"/>
+                <a16:creationId xmlns:a16="http://schemas.microsoft.com/office/drawing/2014/main" id="{C0BF5F82-E748-F364-E37F-4B2C90D3A2F6}"/>
               </a:ext>
             </a:extLst>
           </p:cNvPr>
@@ -10458,21 +10138,15 @@
           <p:nvPr/>
         </p:nvPicPr>
         <p:blipFill>
-          <a:blip r:embed="rId2">
-            <a:extLst>
-              <a:ext uri="{28A0092B-C50C-407E-A947-70E740481C1C}">
-                <a14:useLocalDpi xmlns:a14="http://schemas.microsoft.com/office/drawing/2010/main" val="0"/>
-              </a:ext>
-            </a:extLst>
-          </a:blip>
+          <a:blip r:embed="rId2"/>
           <a:stretch>
             <a:fillRect/>
           </a:stretch>
         </p:blipFill>
         <p:spPr>
           <a:xfrm>
-            <a:off x="1475187" y="1775116"/>
-            <a:ext cx="8394370" cy="4439836"/>
+            <a:off x="1072550" y="1984345"/>
+            <a:ext cx="10650746" cy="4312667"/>
           </a:xfrm>
           <a:prstGeom prst="rect">
             <a:avLst/>
@@ -10492,7 +10166,7 @@
 </p:sld>
 </file>
 
-<file path=ppt/slides/slide8.xml><?xml version="1.0" encoding="utf-8"?>
+<file path=ppt/slides/slide6.xml><?xml version="1.0" encoding="utf-8"?>
 <p:sld xmlns:a="http://schemas.openxmlformats.org/drawingml/2006/main" xmlns:r="http://schemas.openxmlformats.org/officeDocument/2006/relationships" xmlns:p="http://schemas.openxmlformats.org/presentationml/2006/main">
   <p:cSld>
     <p:spTree>
@@ -10594,6 +10268,198 @@
 </p:sld>
 </file>
 
+<file path=ppt/slides/slide7.xml><?xml version="1.0" encoding="utf-8"?>
+<p:sld xmlns:a="http://schemas.openxmlformats.org/drawingml/2006/main" xmlns:r="http://schemas.openxmlformats.org/officeDocument/2006/relationships" xmlns:p="http://schemas.openxmlformats.org/presentationml/2006/main">
+  <p:cSld>
+    <p:spTree>
+      <p:nvGrpSpPr>
+        <p:cNvPr id="1" name=""/>
+        <p:cNvGrpSpPr/>
+        <p:nvPr/>
+      </p:nvGrpSpPr>
+      <p:grpSpPr>
+        <a:xfrm>
+          <a:off x="0" y="0"/>
+          <a:ext cx="0" cy="0"/>
+          <a:chOff x="0" y="0"/>
+          <a:chExt cx="0" cy="0"/>
+        </a:xfrm>
+      </p:grpSpPr>
+      <p:sp>
+        <p:nvSpPr>
+          <p:cNvPr id="4" name="TextBox 3">
+            <a:extLst>
+              <a:ext uri="{FF2B5EF4-FFF2-40B4-BE49-F238E27FC236}">
+                <a16:creationId xmlns:a16="http://schemas.microsoft.com/office/drawing/2014/main" id="{65A01EBC-459E-7DD9-82BD-74909716DF63}"/>
+              </a:ext>
+            </a:extLst>
+          </p:cNvPr>
+          <p:cNvSpPr txBox="1"/>
+          <p:nvPr/>
+        </p:nvSpPr>
+        <p:spPr>
+          <a:xfrm>
+            <a:off x="648070" y="371097"/>
+            <a:ext cx="1908699" cy="369332"/>
+          </a:xfrm>
+          <a:prstGeom prst="rect">
+            <a:avLst/>
+          </a:prstGeom>
+          <a:noFill/>
+        </p:spPr>
+        <p:txBody>
+          <a:bodyPr wrap="square" rtlCol="0">
+            <a:spAutoFit/>
+          </a:bodyPr>
+          <a:lstStyle/>
+          <a:p>
+            <a:r>
+              <a:rPr lang="en-US" u="sng" dirty="0"/>
+              <a:t>User page :-</a:t>
+            </a:r>
+            <a:endParaRPr lang="en-IN" u="sng" dirty="0"/>
+          </a:p>
+        </p:txBody>
+      </p:sp>
+      <p:pic>
+        <p:nvPicPr>
+          <p:cNvPr id="2" name="Picture 2" descr="Graphical user interface, application&#10;&#10;Description automatically generated">
+            <a:extLst>
+              <a:ext uri="{FF2B5EF4-FFF2-40B4-BE49-F238E27FC236}">
+                <a16:creationId xmlns:a16="http://schemas.microsoft.com/office/drawing/2014/main" id="{55B095FC-E1A6-D7CB-0916-8F97350BBA19}"/>
+              </a:ext>
+            </a:extLst>
+          </p:cNvPr>
+          <p:cNvPicPr>
+            <a:picLocks noChangeAspect="1"/>
+          </p:cNvPicPr>
+          <p:nvPr/>
+        </p:nvPicPr>
+        <p:blipFill>
+          <a:blip r:embed="rId2"/>
+          <a:stretch>
+            <a:fillRect/>
+          </a:stretch>
+        </p:blipFill>
+        <p:spPr>
+          <a:xfrm>
+            <a:off x="756250" y="863782"/>
+            <a:ext cx="10995801" cy="5475490"/>
+          </a:xfrm>
+          <a:prstGeom prst="rect">
+            <a:avLst/>
+          </a:prstGeom>
+        </p:spPr>
+      </p:pic>
+    </p:spTree>
+    <p:extLst>
+      <p:ext uri="{BB962C8B-B14F-4D97-AF65-F5344CB8AC3E}">
+        <p14:creationId xmlns:p14="http://schemas.microsoft.com/office/powerpoint/2010/main" val="138876731"/>
+      </p:ext>
+    </p:extLst>
+  </p:cSld>
+  <p:clrMapOvr>
+    <a:masterClrMapping/>
+  </p:clrMapOvr>
+</p:sld>
+</file>
+
+<file path=ppt/slides/slide8.xml><?xml version="1.0" encoding="utf-8"?>
+<p:sld xmlns:a="http://schemas.openxmlformats.org/drawingml/2006/main" xmlns:r="http://schemas.openxmlformats.org/officeDocument/2006/relationships" xmlns:p="http://schemas.openxmlformats.org/presentationml/2006/main">
+  <p:cSld>
+    <p:spTree>
+      <p:nvGrpSpPr>
+        <p:cNvPr id="1" name=""/>
+        <p:cNvGrpSpPr/>
+        <p:nvPr/>
+      </p:nvGrpSpPr>
+      <p:grpSpPr>
+        <a:xfrm>
+          <a:off x="0" y="0"/>
+          <a:ext cx="0" cy="0"/>
+          <a:chOff x="0" y="0"/>
+          <a:chExt cx="0" cy="0"/>
+        </a:xfrm>
+      </p:grpSpPr>
+      <p:sp>
+        <p:nvSpPr>
+          <p:cNvPr id="4" name="TextBox 3">
+            <a:extLst>
+              <a:ext uri="{FF2B5EF4-FFF2-40B4-BE49-F238E27FC236}">
+                <a16:creationId xmlns:a16="http://schemas.microsoft.com/office/drawing/2014/main" id="{65A01EBC-459E-7DD9-82BD-74909716DF63}"/>
+              </a:ext>
+            </a:extLst>
+          </p:cNvPr>
+          <p:cNvSpPr txBox="1"/>
+          <p:nvPr/>
+        </p:nvSpPr>
+        <p:spPr>
+          <a:xfrm>
+            <a:off x="648070" y="371097"/>
+            <a:ext cx="2052472" cy="369332"/>
+          </a:xfrm>
+          <a:prstGeom prst="rect">
+            <a:avLst/>
+          </a:prstGeom>
+          <a:noFill/>
+        </p:spPr>
+        <p:txBody>
+          <a:bodyPr wrap="square" lIns="91440" tIns="45720" rIns="91440" bIns="45720" rtlCol="0" anchor="t">
+            <a:spAutoFit/>
+          </a:bodyPr>
+          <a:lstStyle/>
+          <a:p>
+            <a:r>
+              <a:rPr lang="en-US" u="sng" dirty="0"/>
+              <a:t>Feedback Form :-</a:t>
+            </a:r>
+            <a:endParaRPr lang="en-IN" u="sng" dirty="0"/>
+          </a:p>
+        </p:txBody>
+      </p:sp>
+      <p:pic>
+        <p:nvPicPr>
+          <p:cNvPr id="3" name="Picture 4" descr="Graphical user interface, application&#10;&#10;Description automatically generated">
+            <a:extLst>
+              <a:ext uri="{FF2B5EF4-FFF2-40B4-BE49-F238E27FC236}">
+                <a16:creationId xmlns:a16="http://schemas.microsoft.com/office/drawing/2014/main" id="{0583E62C-9F05-70B0-456A-B912079A3580}"/>
+              </a:ext>
+            </a:extLst>
+          </p:cNvPr>
+          <p:cNvPicPr>
+            <a:picLocks noChangeAspect="1"/>
+          </p:cNvPicPr>
+          <p:nvPr/>
+        </p:nvPicPr>
+        <p:blipFill>
+          <a:blip r:embed="rId2"/>
+          <a:stretch>
+            <a:fillRect/>
+          </a:stretch>
+        </p:blipFill>
+        <p:spPr>
+          <a:xfrm>
+            <a:off x="641230" y="808466"/>
+            <a:ext cx="5057955" cy="5226689"/>
+          </a:xfrm>
+          <a:prstGeom prst="rect">
+            <a:avLst/>
+          </a:prstGeom>
+        </p:spPr>
+      </p:pic>
+    </p:spTree>
+    <p:extLst>
+      <p:ext uri="{BB962C8B-B14F-4D97-AF65-F5344CB8AC3E}">
+        <p14:creationId xmlns:p14="http://schemas.microsoft.com/office/powerpoint/2010/main" val="1311135616"/>
+      </p:ext>
+    </p:extLst>
+  </p:cSld>
+  <p:clrMapOvr>
+    <a:masterClrMapping/>
+  </p:clrMapOvr>
+</p:sld>
+</file>
+
 <file path=ppt/slides/slide9.xml><?xml version="1.0" encoding="utf-8"?>
 <p:sld xmlns:a="http://schemas.openxmlformats.org/drawingml/2006/main" xmlns:r="http://schemas.openxmlformats.org/officeDocument/2006/relationships" xmlns:p="http://schemas.openxmlformats.org/presentationml/2006/main">
   <p:cSld>
@@ -10613,10 +10479,10 @@
       </p:grpSpPr>
       <p:sp>
         <p:nvSpPr>
-          <p:cNvPr id="4" name="TextBox 3">
+          <p:cNvPr id="2" name="TextBox 1">
             <a:extLst>
               <a:ext uri="{FF2B5EF4-FFF2-40B4-BE49-F238E27FC236}">
-                <a16:creationId xmlns:a16="http://schemas.microsoft.com/office/drawing/2014/main" id="{65A01EBC-459E-7DD9-82BD-74909716DF63}"/>
+                <a16:creationId xmlns:a16="http://schemas.microsoft.com/office/drawing/2014/main" id="{68A1FC3B-D752-5E15-15F3-AFE4DA31F95C}"/>
               </a:ext>
             </a:extLst>
           </p:cNvPr>
@@ -10625,8 +10491,8 @@
         </p:nvSpPr>
         <p:spPr>
           <a:xfrm>
-            <a:off x="648070" y="371097"/>
-            <a:ext cx="1908699" cy="369332"/>
+            <a:off x="346229" y="106532"/>
+            <a:ext cx="1997476" cy="369332"/>
           </a:xfrm>
           <a:prstGeom prst="rect">
             <a:avLst/>
@@ -10639,54 +10505,206 @@
           </a:bodyPr>
           <a:lstStyle/>
           <a:p>
+            <a:pPr marL="285750" indent="-285750">
+              <a:buFont typeface="Wingdings" panose="05000000000000000000" pitchFamily="2" charset="2"/>
+              <a:buChar char="Ø"/>
+            </a:pPr>
             <a:r>
               <a:rPr lang="en-US" u="sng" dirty="0"/>
-              <a:t>User page :-</a:t>
+              <a:t>Advantages :- </a:t>
             </a:r>
             <a:endParaRPr lang="en-IN" u="sng" dirty="0"/>
           </a:p>
         </p:txBody>
       </p:sp>
-      <p:pic>
-        <p:nvPicPr>
-          <p:cNvPr id="7" name="Picture 6" descr="Graphical user interface, application, website&#10;&#10;Description automatically generated">
+      <p:sp>
+        <p:nvSpPr>
+          <p:cNvPr id="4" name="TextBox 3">
             <a:extLst>
               <a:ext uri="{FF2B5EF4-FFF2-40B4-BE49-F238E27FC236}">
-                <a16:creationId xmlns:a16="http://schemas.microsoft.com/office/drawing/2014/main" id="{87AA90FB-543B-3E4C-F994-A80BA2D9F59D}"/>
+                <a16:creationId xmlns:a16="http://schemas.microsoft.com/office/drawing/2014/main" id="{91D803E7-717F-02BD-7851-6E6155D73D41}"/>
               </a:ext>
             </a:extLst>
           </p:cNvPr>
-          <p:cNvPicPr>
-            <a:picLocks noChangeAspect="1"/>
-          </p:cNvPicPr>
+          <p:cNvSpPr txBox="1"/>
           <p:nvPr/>
-        </p:nvPicPr>
-        <p:blipFill>
-          <a:blip r:embed="rId2">
-            <a:extLst>
-              <a:ext uri="{28A0092B-C50C-407E-A947-70E740481C1C}">
-                <a14:useLocalDpi xmlns:a14="http://schemas.microsoft.com/office/drawing/2010/main" val="0"/>
-              </a:ext>
-            </a:extLst>
-          </a:blip>
-          <a:stretch>
-            <a:fillRect/>
-          </a:stretch>
-        </p:blipFill>
+        </p:nvSpPr>
         <p:spPr>
           <a:xfrm>
-            <a:off x="648070" y="884555"/>
-            <a:ext cx="10578730" cy="5438128"/>
+            <a:off x="776796" y="764751"/>
+            <a:ext cx="6098958" cy="369332"/>
           </a:xfrm>
           <a:prstGeom prst="rect">
             <a:avLst/>
           </a:prstGeom>
+          <a:noFill/>
         </p:spPr>
-      </p:pic>
+        <p:txBody>
+          <a:bodyPr wrap="square">
+            <a:spAutoFit/>
+          </a:bodyPr>
+          <a:lstStyle/>
+          <a:p>
+            <a:pPr marL="342900" indent="-342900">
+              <a:buFont typeface="Wingdings" panose="05000000000000000000" pitchFamily="2" charset="2"/>
+              <a:buChar char="§"/>
+            </a:pPr>
+            <a:r>
+              <a:rPr lang="en-IN" i="0" dirty="0">
+                <a:solidFill>
+                  <a:srgbClr val="212020"/>
+                </a:solidFill>
+                <a:effectLst/>
+                <a:latin typeface="Ubuntu" panose="020B0604020202020204" pitchFamily="34" charset="0"/>
+              </a:rPr>
+              <a:t>Efficiency</a:t>
+            </a:r>
+            <a:endParaRPr lang="en-IN" dirty="0"/>
+          </a:p>
+        </p:txBody>
+      </p:sp>
+      <p:sp>
+        <p:nvSpPr>
+          <p:cNvPr id="8" name="TextBox 7">
+            <a:extLst>
+              <a:ext uri="{FF2B5EF4-FFF2-40B4-BE49-F238E27FC236}">
+                <a16:creationId xmlns:a16="http://schemas.microsoft.com/office/drawing/2014/main" id="{6582B97B-93D8-E78A-5533-598324F47D2F}"/>
+              </a:ext>
+            </a:extLst>
+          </p:cNvPr>
+          <p:cNvSpPr txBox="1"/>
+          <p:nvPr/>
+        </p:nvSpPr>
+        <p:spPr>
+          <a:xfrm>
+            <a:off x="776796" y="1817029"/>
+            <a:ext cx="6098958" cy="369332"/>
+          </a:xfrm>
+          <a:prstGeom prst="rect">
+            <a:avLst/>
+          </a:prstGeom>
+          <a:noFill/>
+        </p:spPr>
+        <p:txBody>
+          <a:bodyPr wrap="square">
+            <a:spAutoFit/>
+          </a:bodyPr>
+          <a:lstStyle/>
+          <a:p>
+            <a:pPr marL="285750" indent="-285750">
+              <a:buFont typeface="Wingdings" panose="05000000000000000000" pitchFamily="2" charset="2"/>
+              <a:buChar char="§"/>
+            </a:pPr>
+            <a:r>
+              <a:rPr lang="en-IN" i="0" dirty="0">
+                <a:solidFill>
+                  <a:srgbClr val="212020"/>
+                </a:solidFill>
+                <a:effectLst/>
+                <a:latin typeface="Ubuntu" panose="020B0504030602030204" pitchFamily="34" charset="0"/>
+              </a:rPr>
+              <a:t>Reports </a:t>
+            </a:r>
+            <a:endParaRPr lang="en-IN" dirty="0"/>
+          </a:p>
+        </p:txBody>
+      </p:sp>
+      <p:sp>
+        <p:nvSpPr>
+          <p:cNvPr id="12" name="TextBox 11">
+            <a:extLst>
+              <a:ext uri="{FF2B5EF4-FFF2-40B4-BE49-F238E27FC236}">
+                <a16:creationId xmlns:a16="http://schemas.microsoft.com/office/drawing/2014/main" id="{236AFC66-48D6-9E33-09A1-583B55A820A3}"/>
+              </a:ext>
+            </a:extLst>
+          </p:cNvPr>
+          <p:cNvSpPr txBox="1"/>
+          <p:nvPr/>
+        </p:nvSpPr>
+        <p:spPr>
+          <a:xfrm>
+            <a:off x="776796" y="2859147"/>
+            <a:ext cx="6098958" cy="369332"/>
+          </a:xfrm>
+          <a:prstGeom prst="rect">
+            <a:avLst/>
+          </a:prstGeom>
+          <a:noFill/>
+        </p:spPr>
+        <p:txBody>
+          <a:bodyPr wrap="square">
+            <a:spAutoFit/>
+          </a:bodyPr>
+          <a:lstStyle/>
+          <a:p>
+            <a:pPr marL="285750" indent="-285750">
+              <a:buFont typeface="Wingdings" panose="05000000000000000000" pitchFamily="2" charset="2"/>
+              <a:buChar char="§"/>
+            </a:pPr>
+            <a:r>
+              <a:rPr lang="en-IN" i="0" dirty="0">
+                <a:solidFill>
+                  <a:srgbClr val="212020"/>
+                </a:solidFill>
+                <a:effectLst/>
+                <a:latin typeface="Ubuntu" panose="020B0504030602030204" pitchFamily="34" charset="0"/>
+              </a:rPr>
+              <a:t>Security </a:t>
+            </a:r>
+            <a:endParaRPr lang="en-IN" dirty="0"/>
+          </a:p>
+        </p:txBody>
+      </p:sp>
+      <p:sp>
+        <p:nvSpPr>
+          <p:cNvPr id="14" name="TextBox 13">
+            <a:extLst>
+              <a:ext uri="{FF2B5EF4-FFF2-40B4-BE49-F238E27FC236}">
+                <a16:creationId xmlns:a16="http://schemas.microsoft.com/office/drawing/2014/main" id="{B848575A-F813-55E0-9D93-FF7861E3D27C}"/>
+              </a:ext>
+            </a:extLst>
+          </p:cNvPr>
+          <p:cNvSpPr txBox="1"/>
+          <p:nvPr/>
+        </p:nvSpPr>
+        <p:spPr>
+          <a:xfrm>
+            <a:off x="776796" y="3865880"/>
+            <a:ext cx="6098958" cy="369332"/>
+          </a:xfrm>
+          <a:prstGeom prst="rect">
+            <a:avLst/>
+          </a:prstGeom>
+          <a:noFill/>
+        </p:spPr>
+        <p:txBody>
+          <a:bodyPr wrap="square">
+            <a:spAutoFit/>
+          </a:bodyPr>
+          <a:lstStyle/>
+          <a:p>
+            <a:pPr marL="285750" indent="-285750">
+              <a:buFont typeface="Wingdings" panose="05000000000000000000" pitchFamily="2" charset="2"/>
+              <a:buChar char="§"/>
+            </a:pPr>
+            <a:r>
+              <a:rPr lang="en-IN" i="0" dirty="0">
+                <a:solidFill>
+                  <a:srgbClr val="212020"/>
+                </a:solidFill>
+                <a:effectLst/>
+                <a:latin typeface="Ubuntu" panose="020B0504030602030204" pitchFamily="34" charset="0"/>
+              </a:rPr>
+              <a:t>Decrease in Cost</a:t>
+            </a:r>
+            <a:endParaRPr lang="en-IN" dirty="0"/>
+          </a:p>
+        </p:txBody>
+      </p:sp>
     </p:spTree>
     <p:extLst>
       <p:ext uri="{BB962C8B-B14F-4D97-AF65-F5344CB8AC3E}">
-        <p14:creationId xmlns:p14="http://schemas.microsoft.com/office/powerpoint/2010/main" val="138876731"/>
+        <p14:creationId xmlns:p14="http://schemas.microsoft.com/office/powerpoint/2010/main" val="4224338315"/>
       </p:ext>
     </p:extLst>
   </p:cSld>
